--- a/final_ver/最終版.pptx
+++ b/final_ver/最終版.pptx
@@ -5,7 +5,7 @@
     <p:sldMasterId id="2147483865" r:id="rId1"/>
   </p:sldMasterIdLst>
   <p:notesMasterIdLst>
-    <p:notesMasterId r:id="rId22"/>
+    <p:notesMasterId r:id="rId26"/>
   </p:notesMasterIdLst>
   <p:sldIdLst>
     <p:sldId id="256" r:id="rId2"/>
@@ -22,12 +22,16 @@
     <p:sldId id="268" r:id="rId13"/>
     <p:sldId id="282" r:id="rId14"/>
     <p:sldId id="276" r:id="rId15"/>
-    <p:sldId id="283" r:id="rId16"/>
-    <p:sldId id="270" r:id="rId17"/>
-    <p:sldId id="285" r:id="rId18"/>
-    <p:sldId id="284" r:id="rId19"/>
-    <p:sldId id="277" r:id="rId20"/>
-    <p:sldId id="274" r:id="rId21"/>
+    <p:sldId id="289" r:id="rId16"/>
+    <p:sldId id="283" r:id="rId17"/>
+    <p:sldId id="270" r:id="rId18"/>
+    <p:sldId id="285" r:id="rId19"/>
+    <p:sldId id="284" r:id="rId20"/>
+    <p:sldId id="277" r:id="rId21"/>
+    <p:sldId id="288" r:id="rId22"/>
+    <p:sldId id="274" r:id="rId23"/>
+    <p:sldId id="286" r:id="rId24"/>
+    <p:sldId id="287" r:id="rId25"/>
   </p:sldIdLst>
   <p:sldSz cx="9144000" cy="5143500" type="screen16x9"/>
   <p:notesSz cx="6858000" cy="9144000"/>
@@ -1343,7 +1347,7 @@
     </p:spTree>
     <p:extLst>
       <p:ext uri="{BB962C8B-B14F-4D97-AF65-F5344CB8AC3E}">
-        <p14:creationId xmlns:p14="http://schemas.microsoft.com/office/powerpoint/2010/main" val="181907828"/>
+        <p14:creationId xmlns:p14="http://schemas.microsoft.com/office/powerpoint/2010/main" val="4268309134"/>
       </p:ext>
     </p:extLst>
   </p:cSld>
@@ -1358,7 +1362,7 @@
   <p:cSld>
     <p:spTree>
       <p:nvGrpSpPr>
-        <p:cNvPr id="1" name="Shape 146"/>
+        <p:cNvPr id="1" name="Shape 140"/>
         <p:cNvGrpSpPr/>
         <p:nvPr/>
       </p:nvGrpSpPr>
@@ -1372,7 +1376,7 @@
       </p:grpSpPr>
       <p:sp>
         <p:nvSpPr>
-          <p:cNvPr id="147" name="Google Shape;147;ga3db7f7829_0_57:notes"/>
+          <p:cNvPr id="141" name="Google Shape;141;ga3db7f7829_0_52:notes"/>
           <p:cNvSpPr>
             <a:spLocks noGrp="1" noRot="1" noChangeAspect="1"/>
           </p:cNvSpPr>
@@ -1413,7 +1417,7 @@
       </p:sp>
       <p:sp>
         <p:nvSpPr>
-          <p:cNvPr id="148" name="Google Shape;148;ga3db7f7829_0_57:notes"/>
+          <p:cNvPr id="142" name="Google Shape;142;ga3db7f7829_0_52:notes"/>
           <p:cNvSpPr txBox="1">
             <a:spLocks noGrp="1"/>
           </p:cNvSpPr>
@@ -1445,11 +1449,16 @@
               </a:spcAft>
               <a:buNone/>
             </a:pPr>
-            <a:endParaRPr/>
+            <a:endParaRPr dirty="0"/>
           </a:p>
         </p:txBody>
       </p:sp>
     </p:spTree>
+    <p:extLst>
+      <p:ext uri="{BB962C8B-B14F-4D97-AF65-F5344CB8AC3E}">
+        <p14:creationId xmlns:p14="http://schemas.microsoft.com/office/powerpoint/2010/main" val="181907828"/>
+      </p:ext>
+    </p:extLst>
   </p:cSld>
   <p:clrMapOvr>
     <a:masterClrMapping/>
@@ -1554,11 +1563,6 @@
         </p:txBody>
       </p:sp>
     </p:spTree>
-    <p:extLst>
-      <p:ext uri="{BB962C8B-B14F-4D97-AF65-F5344CB8AC3E}">
-        <p14:creationId xmlns:p14="http://schemas.microsoft.com/office/powerpoint/2010/main" val="638869437"/>
-      </p:ext>
-    </p:extLst>
   </p:cSld>
   <p:clrMapOvr>
     <a:masterClrMapping/>
@@ -1571,7 +1575,7 @@
   <p:cSld>
     <p:spTree>
       <p:nvGrpSpPr>
-        <p:cNvPr id="1" name="Shape 140"/>
+        <p:cNvPr id="1" name="Shape 146"/>
         <p:cNvGrpSpPr/>
         <p:nvPr/>
       </p:nvGrpSpPr>
@@ -1585,7 +1589,7 @@
       </p:grpSpPr>
       <p:sp>
         <p:nvSpPr>
-          <p:cNvPr id="141" name="Google Shape;141;ga3db7f7829_0_52:notes"/>
+          <p:cNvPr id="147" name="Google Shape;147;ga3db7f7829_0_57:notes"/>
           <p:cNvSpPr>
             <a:spLocks noGrp="1" noRot="1" noChangeAspect="1"/>
           </p:cNvSpPr>
@@ -1626,7 +1630,7 @@
       </p:sp>
       <p:sp>
         <p:nvSpPr>
-          <p:cNvPr id="142" name="Google Shape;142;ga3db7f7829_0_52:notes"/>
+          <p:cNvPr id="148" name="Google Shape;148;ga3db7f7829_0_57:notes"/>
           <p:cNvSpPr txBox="1">
             <a:spLocks noGrp="1"/>
           </p:cNvSpPr>
@@ -1658,14 +1662,14 @@
               </a:spcAft>
               <a:buNone/>
             </a:pPr>
-            <a:endParaRPr dirty="0"/>
+            <a:endParaRPr/>
           </a:p>
         </p:txBody>
       </p:sp>
     </p:spTree>
     <p:extLst>
       <p:ext uri="{BB962C8B-B14F-4D97-AF65-F5344CB8AC3E}">
-        <p14:creationId xmlns:p14="http://schemas.microsoft.com/office/powerpoint/2010/main" val="2427627451"/>
+        <p14:creationId xmlns:p14="http://schemas.microsoft.com/office/powerpoint/2010/main" val="638869437"/>
       </p:ext>
     </p:extLst>
   </p:cSld>
@@ -1680,7 +1684,7 @@
   <p:cSld>
     <p:spTree>
       <p:nvGrpSpPr>
-        <p:cNvPr id="1" name="Shape 146"/>
+        <p:cNvPr id="1" name="Shape 140"/>
         <p:cNvGrpSpPr/>
         <p:nvPr/>
       </p:nvGrpSpPr>
@@ -1694,7 +1698,7 @@
       </p:grpSpPr>
       <p:sp>
         <p:nvSpPr>
-          <p:cNvPr id="147" name="Google Shape;147;ga3db7f7829_0_57:notes"/>
+          <p:cNvPr id="141" name="Google Shape;141;ga3db7f7829_0_52:notes"/>
           <p:cNvSpPr>
             <a:spLocks noGrp="1" noRot="1" noChangeAspect="1"/>
           </p:cNvSpPr>
@@ -1735,7 +1739,7 @@
       </p:sp>
       <p:sp>
         <p:nvSpPr>
-          <p:cNvPr id="148" name="Google Shape;148;ga3db7f7829_0_57:notes"/>
+          <p:cNvPr id="142" name="Google Shape;142;ga3db7f7829_0_52:notes"/>
           <p:cNvSpPr txBox="1">
             <a:spLocks noGrp="1"/>
           </p:cNvSpPr>
@@ -1767,14 +1771,14 @@
               </a:spcAft>
               <a:buNone/>
             </a:pPr>
-            <a:endParaRPr/>
+            <a:endParaRPr dirty="0"/>
           </a:p>
         </p:txBody>
       </p:sp>
     </p:spTree>
     <p:extLst>
       <p:ext uri="{BB962C8B-B14F-4D97-AF65-F5344CB8AC3E}">
-        <p14:creationId xmlns:p14="http://schemas.microsoft.com/office/powerpoint/2010/main" val="2261570374"/>
+        <p14:creationId xmlns:p14="http://schemas.microsoft.com/office/powerpoint/2010/main" val="2427627451"/>
       </p:ext>
     </p:extLst>
   </p:cSld>
@@ -1893,7 +1897,7 @@
   <p:cSld>
     <p:spTree>
       <p:nvGrpSpPr>
-        <p:cNvPr id="1" name="Shape 171"/>
+        <p:cNvPr id="1" name="Shape 146"/>
         <p:cNvGrpSpPr/>
         <p:nvPr/>
       </p:nvGrpSpPr>
@@ -1907,7 +1911,7 @@
       </p:grpSpPr>
       <p:sp>
         <p:nvSpPr>
-          <p:cNvPr id="172" name="Google Shape;172;ga3db7f7829_0_79:notes"/>
+          <p:cNvPr id="147" name="Google Shape;147;ga3db7f7829_0_57:notes"/>
           <p:cNvSpPr>
             <a:spLocks noGrp="1" noRot="1" noChangeAspect="1"/>
           </p:cNvSpPr>
@@ -1948,7 +1952,7 @@
       </p:sp>
       <p:sp>
         <p:nvSpPr>
-          <p:cNvPr id="173" name="Google Shape;173;ga3db7f7829_0_79:notes"/>
+          <p:cNvPr id="148" name="Google Shape;148;ga3db7f7829_0_57:notes"/>
           <p:cNvSpPr txBox="1">
             <a:spLocks noGrp="1"/>
           </p:cNvSpPr>
@@ -1985,6 +1989,442 @@
         </p:txBody>
       </p:sp>
     </p:spTree>
+    <p:extLst>
+      <p:ext uri="{BB962C8B-B14F-4D97-AF65-F5344CB8AC3E}">
+        <p14:creationId xmlns:p14="http://schemas.microsoft.com/office/powerpoint/2010/main" val="2261570374"/>
+      </p:ext>
+    </p:extLst>
+  </p:cSld>
+  <p:clrMapOvr>
+    <a:masterClrMapping/>
+  </p:clrMapOvr>
+</p:notes>
+</file>
+
+<file path=ppt/notesSlides/notesSlide21.xml><?xml version="1.0" encoding="utf-8"?>
+<p:notes xmlns:a="http://schemas.openxmlformats.org/drawingml/2006/main" xmlns:r="http://schemas.openxmlformats.org/officeDocument/2006/relationships" xmlns:p="http://schemas.openxmlformats.org/presentationml/2006/main" showMasterSp="0" showMasterPhAnim="0">
+  <p:cSld>
+    <p:spTree>
+      <p:nvGrpSpPr>
+        <p:cNvPr id="1" name="Shape 146"/>
+        <p:cNvGrpSpPr/>
+        <p:nvPr/>
+      </p:nvGrpSpPr>
+      <p:grpSpPr>
+        <a:xfrm>
+          <a:off x="0" y="0"/>
+          <a:ext cx="0" cy="0"/>
+          <a:chOff x="0" y="0"/>
+          <a:chExt cx="0" cy="0"/>
+        </a:xfrm>
+      </p:grpSpPr>
+      <p:sp>
+        <p:nvSpPr>
+          <p:cNvPr id="147" name="Google Shape;147;ga3db7f7829_0_57:notes"/>
+          <p:cNvSpPr>
+            <a:spLocks noGrp="1" noRot="1" noChangeAspect="1"/>
+          </p:cNvSpPr>
+          <p:nvPr>
+            <p:ph type="sldImg" idx="2"/>
+          </p:nvPr>
+        </p:nvSpPr>
+        <p:spPr>
+          <a:xfrm>
+            <a:off x="381000" y="685800"/>
+            <a:ext cx="6096000" cy="3429000"/>
+          </a:xfrm>
+          <a:custGeom>
+            <a:avLst/>
+            <a:gdLst/>
+            <a:ahLst/>
+            <a:cxnLst/>
+            <a:rect l="l" t="t" r="r" b="b"/>
+            <a:pathLst>
+              <a:path w="120000" h="120000" extrusionOk="0">
+                <a:moveTo>
+                  <a:pt x="0" y="0"/>
+                </a:moveTo>
+                <a:lnTo>
+                  <a:pt x="120000" y="0"/>
+                </a:lnTo>
+                <a:lnTo>
+                  <a:pt x="120000" y="120000"/>
+                </a:lnTo>
+                <a:lnTo>
+                  <a:pt x="0" y="120000"/>
+                </a:lnTo>
+                <a:close/>
+              </a:path>
+            </a:pathLst>
+          </a:custGeom>
+        </p:spPr>
+      </p:sp>
+      <p:sp>
+        <p:nvSpPr>
+          <p:cNvPr id="148" name="Google Shape;148;ga3db7f7829_0_57:notes"/>
+          <p:cNvSpPr txBox="1">
+            <a:spLocks noGrp="1"/>
+          </p:cNvSpPr>
+          <p:nvPr>
+            <p:ph type="body" idx="1"/>
+          </p:nvPr>
+        </p:nvSpPr>
+        <p:spPr>
+          <a:xfrm>
+            <a:off x="685800" y="4343400"/>
+            <a:ext cx="5486400" cy="4114800"/>
+          </a:xfrm>
+          <a:prstGeom prst="rect">
+            <a:avLst/>
+          </a:prstGeom>
+        </p:spPr>
+        <p:txBody>
+          <a:bodyPr spcFirstLastPara="1" wrap="square" lIns="91425" tIns="91425" rIns="91425" bIns="91425" anchor="t" anchorCtr="0">
+            <a:noAutofit/>
+          </a:bodyPr>
+          <a:lstStyle/>
+          <a:p>
+            <a:pPr marL="0" lvl="0" indent="0" algn="l" rtl="0">
+              <a:spcBef>
+                <a:spcPts val="0"/>
+              </a:spcBef>
+              <a:spcAft>
+                <a:spcPts val="0"/>
+              </a:spcAft>
+              <a:buNone/>
+            </a:pPr>
+            <a:endParaRPr/>
+          </a:p>
+        </p:txBody>
+      </p:sp>
+    </p:spTree>
+    <p:extLst>
+      <p:ext uri="{BB962C8B-B14F-4D97-AF65-F5344CB8AC3E}">
+        <p14:creationId xmlns:p14="http://schemas.microsoft.com/office/powerpoint/2010/main" val="1993073241"/>
+      </p:ext>
+    </p:extLst>
+  </p:cSld>
+  <p:clrMapOvr>
+    <a:masterClrMapping/>
+  </p:clrMapOvr>
+</p:notes>
+</file>
+
+<file path=ppt/notesSlides/notesSlide22.xml><?xml version="1.0" encoding="utf-8"?>
+<p:notes xmlns:a="http://schemas.openxmlformats.org/drawingml/2006/main" xmlns:r="http://schemas.openxmlformats.org/officeDocument/2006/relationships" xmlns:p="http://schemas.openxmlformats.org/presentationml/2006/main" showMasterSp="0" showMasterPhAnim="0">
+  <p:cSld>
+    <p:spTree>
+      <p:nvGrpSpPr>
+        <p:cNvPr id="1" name="Shape 171"/>
+        <p:cNvGrpSpPr/>
+        <p:nvPr/>
+      </p:nvGrpSpPr>
+      <p:grpSpPr>
+        <a:xfrm>
+          <a:off x="0" y="0"/>
+          <a:ext cx="0" cy="0"/>
+          <a:chOff x="0" y="0"/>
+          <a:chExt cx="0" cy="0"/>
+        </a:xfrm>
+      </p:grpSpPr>
+      <p:sp>
+        <p:nvSpPr>
+          <p:cNvPr id="172" name="Google Shape;172;ga3db7f7829_0_79:notes"/>
+          <p:cNvSpPr>
+            <a:spLocks noGrp="1" noRot="1" noChangeAspect="1"/>
+          </p:cNvSpPr>
+          <p:nvPr>
+            <p:ph type="sldImg" idx="2"/>
+          </p:nvPr>
+        </p:nvSpPr>
+        <p:spPr>
+          <a:xfrm>
+            <a:off x="381000" y="685800"/>
+            <a:ext cx="6096000" cy="3429000"/>
+          </a:xfrm>
+          <a:custGeom>
+            <a:avLst/>
+            <a:gdLst/>
+            <a:ahLst/>
+            <a:cxnLst/>
+            <a:rect l="l" t="t" r="r" b="b"/>
+            <a:pathLst>
+              <a:path w="120000" h="120000" extrusionOk="0">
+                <a:moveTo>
+                  <a:pt x="0" y="0"/>
+                </a:moveTo>
+                <a:lnTo>
+                  <a:pt x="120000" y="0"/>
+                </a:lnTo>
+                <a:lnTo>
+                  <a:pt x="120000" y="120000"/>
+                </a:lnTo>
+                <a:lnTo>
+                  <a:pt x="0" y="120000"/>
+                </a:lnTo>
+                <a:close/>
+              </a:path>
+            </a:pathLst>
+          </a:custGeom>
+        </p:spPr>
+      </p:sp>
+      <p:sp>
+        <p:nvSpPr>
+          <p:cNvPr id="173" name="Google Shape;173;ga3db7f7829_0_79:notes"/>
+          <p:cNvSpPr txBox="1">
+            <a:spLocks noGrp="1"/>
+          </p:cNvSpPr>
+          <p:nvPr>
+            <p:ph type="body" idx="1"/>
+          </p:nvPr>
+        </p:nvSpPr>
+        <p:spPr>
+          <a:xfrm>
+            <a:off x="685800" y="4343400"/>
+            <a:ext cx="5486400" cy="4114800"/>
+          </a:xfrm>
+          <a:prstGeom prst="rect">
+            <a:avLst/>
+          </a:prstGeom>
+        </p:spPr>
+        <p:txBody>
+          <a:bodyPr spcFirstLastPara="1" wrap="square" lIns="91425" tIns="91425" rIns="91425" bIns="91425" anchor="t" anchorCtr="0">
+            <a:noAutofit/>
+          </a:bodyPr>
+          <a:lstStyle/>
+          <a:p>
+            <a:pPr marL="0" lvl="0" indent="0" algn="l" rtl="0">
+              <a:spcBef>
+                <a:spcPts val="0"/>
+              </a:spcBef>
+              <a:spcAft>
+                <a:spcPts val="0"/>
+              </a:spcAft>
+              <a:buNone/>
+            </a:pPr>
+            <a:endParaRPr/>
+          </a:p>
+        </p:txBody>
+      </p:sp>
+    </p:spTree>
+  </p:cSld>
+  <p:clrMapOvr>
+    <a:masterClrMapping/>
+  </p:clrMapOvr>
+</p:notes>
+</file>
+
+<file path=ppt/notesSlides/notesSlide23.xml><?xml version="1.0" encoding="utf-8"?>
+<p:notes xmlns:a="http://schemas.openxmlformats.org/drawingml/2006/main" xmlns:r="http://schemas.openxmlformats.org/officeDocument/2006/relationships" xmlns:p="http://schemas.openxmlformats.org/presentationml/2006/main" showMasterSp="0" showMasterPhAnim="0">
+  <p:cSld>
+    <p:spTree>
+      <p:nvGrpSpPr>
+        <p:cNvPr id="1" name="Shape 171"/>
+        <p:cNvGrpSpPr/>
+        <p:nvPr/>
+      </p:nvGrpSpPr>
+      <p:grpSpPr>
+        <a:xfrm>
+          <a:off x="0" y="0"/>
+          <a:ext cx="0" cy="0"/>
+          <a:chOff x="0" y="0"/>
+          <a:chExt cx="0" cy="0"/>
+        </a:xfrm>
+      </p:grpSpPr>
+      <p:sp>
+        <p:nvSpPr>
+          <p:cNvPr id="172" name="Google Shape;172;ga3db7f7829_0_79:notes"/>
+          <p:cNvSpPr>
+            <a:spLocks noGrp="1" noRot="1" noChangeAspect="1"/>
+          </p:cNvSpPr>
+          <p:nvPr>
+            <p:ph type="sldImg" idx="2"/>
+          </p:nvPr>
+        </p:nvSpPr>
+        <p:spPr>
+          <a:xfrm>
+            <a:off x="381000" y="685800"/>
+            <a:ext cx="6096000" cy="3429000"/>
+          </a:xfrm>
+          <a:custGeom>
+            <a:avLst/>
+            <a:gdLst/>
+            <a:ahLst/>
+            <a:cxnLst/>
+            <a:rect l="l" t="t" r="r" b="b"/>
+            <a:pathLst>
+              <a:path w="120000" h="120000" extrusionOk="0">
+                <a:moveTo>
+                  <a:pt x="0" y="0"/>
+                </a:moveTo>
+                <a:lnTo>
+                  <a:pt x="120000" y="0"/>
+                </a:lnTo>
+                <a:lnTo>
+                  <a:pt x="120000" y="120000"/>
+                </a:lnTo>
+                <a:lnTo>
+                  <a:pt x="0" y="120000"/>
+                </a:lnTo>
+                <a:close/>
+              </a:path>
+            </a:pathLst>
+          </a:custGeom>
+        </p:spPr>
+      </p:sp>
+      <p:sp>
+        <p:nvSpPr>
+          <p:cNvPr id="173" name="Google Shape;173;ga3db7f7829_0_79:notes"/>
+          <p:cNvSpPr txBox="1">
+            <a:spLocks noGrp="1"/>
+          </p:cNvSpPr>
+          <p:nvPr>
+            <p:ph type="body" idx="1"/>
+          </p:nvPr>
+        </p:nvSpPr>
+        <p:spPr>
+          <a:xfrm>
+            <a:off x="685800" y="4343400"/>
+            <a:ext cx="5486400" cy="4114800"/>
+          </a:xfrm>
+          <a:prstGeom prst="rect">
+            <a:avLst/>
+          </a:prstGeom>
+        </p:spPr>
+        <p:txBody>
+          <a:bodyPr spcFirstLastPara="1" wrap="square" lIns="91425" tIns="91425" rIns="91425" bIns="91425" anchor="t" anchorCtr="0">
+            <a:noAutofit/>
+          </a:bodyPr>
+          <a:lstStyle/>
+          <a:p>
+            <a:pPr marL="0" lvl="0" indent="0" algn="l" rtl="0">
+              <a:spcBef>
+                <a:spcPts val="0"/>
+              </a:spcBef>
+              <a:spcAft>
+                <a:spcPts val="0"/>
+              </a:spcAft>
+              <a:buNone/>
+            </a:pPr>
+            <a:endParaRPr/>
+          </a:p>
+        </p:txBody>
+      </p:sp>
+    </p:spTree>
+    <p:extLst>
+      <p:ext uri="{BB962C8B-B14F-4D97-AF65-F5344CB8AC3E}">
+        <p14:creationId xmlns:p14="http://schemas.microsoft.com/office/powerpoint/2010/main" val="55669841"/>
+      </p:ext>
+    </p:extLst>
+  </p:cSld>
+  <p:clrMapOvr>
+    <a:masterClrMapping/>
+  </p:clrMapOvr>
+</p:notes>
+</file>
+
+<file path=ppt/notesSlides/notesSlide24.xml><?xml version="1.0" encoding="utf-8"?>
+<p:notes xmlns:a="http://schemas.openxmlformats.org/drawingml/2006/main" xmlns:r="http://schemas.openxmlformats.org/officeDocument/2006/relationships" xmlns:p="http://schemas.openxmlformats.org/presentationml/2006/main" showMasterSp="0" showMasterPhAnim="0">
+  <p:cSld>
+    <p:spTree>
+      <p:nvGrpSpPr>
+        <p:cNvPr id="1" name="Shape 171"/>
+        <p:cNvGrpSpPr/>
+        <p:nvPr/>
+      </p:nvGrpSpPr>
+      <p:grpSpPr>
+        <a:xfrm>
+          <a:off x="0" y="0"/>
+          <a:ext cx="0" cy="0"/>
+          <a:chOff x="0" y="0"/>
+          <a:chExt cx="0" cy="0"/>
+        </a:xfrm>
+      </p:grpSpPr>
+      <p:sp>
+        <p:nvSpPr>
+          <p:cNvPr id="172" name="Google Shape;172;ga3db7f7829_0_79:notes"/>
+          <p:cNvSpPr>
+            <a:spLocks noGrp="1" noRot="1" noChangeAspect="1"/>
+          </p:cNvSpPr>
+          <p:nvPr>
+            <p:ph type="sldImg" idx="2"/>
+          </p:nvPr>
+        </p:nvSpPr>
+        <p:spPr>
+          <a:xfrm>
+            <a:off x="381000" y="685800"/>
+            <a:ext cx="6096000" cy="3429000"/>
+          </a:xfrm>
+          <a:custGeom>
+            <a:avLst/>
+            <a:gdLst/>
+            <a:ahLst/>
+            <a:cxnLst/>
+            <a:rect l="l" t="t" r="r" b="b"/>
+            <a:pathLst>
+              <a:path w="120000" h="120000" extrusionOk="0">
+                <a:moveTo>
+                  <a:pt x="0" y="0"/>
+                </a:moveTo>
+                <a:lnTo>
+                  <a:pt x="120000" y="0"/>
+                </a:lnTo>
+                <a:lnTo>
+                  <a:pt x="120000" y="120000"/>
+                </a:lnTo>
+                <a:lnTo>
+                  <a:pt x="0" y="120000"/>
+                </a:lnTo>
+                <a:close/>
+              </a:path>
+            </a:pathLst>
+          </a:custGeom>
+        </p:spPr>
+      </p:sp>
+      <p:sp>
+        <p:nvSpPr>
+          <p:cNvPr id="173" name="Google Shape;173;ga3db7f7829_0_79:notes"/>
+          <p:cNvSpPr txBox="1">
+            <a:spLocks noGrp="1"/>
+          </p:cNvSpPr>
+          <p:nvPr>
+            <p:ph type="body" idx="1"/>
+          </p:nvPr>
+        </p:nvSpPr>
+        <p:spPr>
+          <a:xfrm>
+            <a:off x="685800" y="4343400"/>
+            <a:ext cx="5486400" cy="4114800"/>
+          </a:xfrm>
+          <a:prstGeom prst="rect">
+            <a:avLst/>
+          </a:prstGeom>
+        </p:spPr>
+        <p:txBody>
+          <a:bodyPr spcFirstLastPara="1" wrap="square" lIns="91425" tIns="91425" rIns="91425" bIns="91425" anchor="t" anchorCtr="0">
+            <a:noAutofit/>
+          </a:bodyPr>
+          <a:lstStyle/>
+          <a:p>
+            <a:pPr marL="0" lvl="0" indent="0" algn="l" rtl="0">
+              <a:spcBef>
+                <a:spcPts val="0"/>
+              </a:spcBef>
+              <a:spcAft>
+                <a:spcPts val="0"/>
+              </a:spcAft>
+              <a:buNone/>
+            </a:pPr>
+            <a:endParaRPr/>
+          </a:p>
+        </p:txBody>
+      </p:sp>
+    </p:spTree>
+    <p:extLst>
+      <p:ext uri="{BB962C8B-B14F-4D97-AF65-F5344CB8AC3E}">
+        <p14:creationId xmlns:p14="http://schemas.microsoft.com/office/powerpoint/2010/main" val="2339129334"/>
+      </p:ext>
+    </p:extLst>
   </p:cSld>
   <p:clrMapOvr>
     <a:masterClrMapping/>
@@ -7553,7 +7993,7 @@
                 <a:latin typeface="+mj-ea"/>
                 <a:ea typeface="+mj-ea"/>
               </a:rPr>
-              <a:t>”</a:t>
+              <a:t>『</a:t>
             </a:r>
             <a:r>
               <a:rPr lang="en-US" sz="1800" dirty="0" err="1">
@@ -7590,7 +8030,7 @@
                 <a:latin typeface="+mj-ea"/>
                 <a:ea typeface="+mj-ea"/>
               </a:rPr>
-              <a:t>ー”</a:t>
+              <a:t>ー』</a:t>
             </a:r>
           </a:p>
           <a:p>
@@ -9092,7 +9532,7 @@
           <p:nvPr>
             <p:extLst>
               <p:ext uri="{D42A27DB-BD31-4B8C-83A1-F6EECF244321}">
-                <p14:modId xmlns:p14="http://schemas.microsoft.com/office/powerpoint/2010/main" val="1039107826"/>
+                <p14:modId xmlns:p14="http://schemas.microsoft.com/office/powerpoint/2010/main" val="3024262364"/>
               </p:ext>
             </p:extLst>
           </p:nvPr>
@@ -9243,10 +9683,6 @@
                         <a:rPr lang="en-US" altLang="ja-JP" sz="1100" dirty="0"/>
                         <a:t>*</a:t>
                       </a:r>
-                      <a:r>
-                        <a:rPr lang="ja-JP" altLang="en-US" sz="1100"/>
-                        <a:t>の前期からの増加率</a:t>
-                      </a:r>
                       <a:endParaRPr lang="ja-JP" altLang="en-US" sz="1100" dirty="0"/>
                     </a:p>
                   </a:txBody>
@@ -9260,7 +9696,7 @@
                       <a:pPr marL="285750" indent="-285750" algn="ctr"/>
                       <a:r>
                         <a:rPr lang="en-US" altLang="ja-JP" sz="1400" dirty="0" err="1"/>
-                        <a:t>rate_consumption_stay_tourism</a:t>
+                        <a:t>consumption_stay_tourism</a:t>
                       </a:r>
                       <a:endParaRPr lang="ja-JP" altLang="en-US" sz="1400" dirty="0"/>
                     </a:p>
@@ -10251,7 +10687,7 @@
                   </a:schemeClr>
                 </a:solidFill>
               </a:rPr>
-              <a:t>1: </a:t>
+              <a:t>: </a:t>
             </a:r>
             <a:r>
               <a:rPr lang="ja" altLang="en-US" sz="2000" dirty="0">
@@ -10313,61 +10749,6 @@
       </p:grpSpPr>
       <p:sp>
         <p:nvSpPr>
-          <p:cNvPr id="145" name="Google Shape;145;p26"/>
-          <p:cNvSpPr txBox="1">
-            <a:spLocks noGrp="1"/>
-          </p:cNvSpPr>
-          <p:nvPr>
-            <p:ph type="body" idx="1"/>
-          </p:nvPr>
-        </p:nvSpPr>
-        <p:spPr>
-          <a:xfrm>
-            <a:off x="311700" y="1349239"/>
-            <a:ext cx="8520600" cy="3416400"/>
-          </a:xfrm>
-          <a:prstGeom prst="rect">
-            <a:avLst/>
-          </a:prstGeom>
-        </p:spPr>
-        <p:txBody>
-          <a:bodyPr spcFirstLastPara="1" wrap="square" lIns="91425" tIns="91425" rIns="91425" bIns="91425" anchor="t" anchorCtr="0">
-            <a:noAutofit/>
-          </a:bodyPr>
-          <a:lstStyle/>
-          <a:p>
-            <a:pPr marL="0" lvl="0" indent="0" algn="l" rtl="0">
-              <a:spcBef>
-                <a:spcPts val="0"/>
-              </a:spcBef>
-              <a:spcAft>
-                <a:spcPts val="0"/>
-              </a:spcAft>
-              <a:buNone/>
-            </a:pPr>
-            <a:endParaRPr dirty="0"/>
-          </a:p>
-          <a:p>
-            <a:pPr marL="0" lvl="0" indent="0" algn="l" rtl="0">
-              <a:spcBef>
-                <a:spcPts val="0"/>
-              </a:spcBef>
-              <a:spcAft>
-                <a:spcPts val="0"/>
-              </a:spcAft>
-              <a:buClr>
-                <a:schemeClr val="dk1"/>
-              </a:buClr>
-              <a:buSzPts val="1100"/>
-              <a:buFont typeface="Arial"/>
-              <a:buNone/>
-            </a:pPr>
-            <a:endParaRPr dirty="0"/>
-          </a:p>
-        </p:txBody>
-      </p:sp>
-      <p:sp>
-        <p:nvSpPr>
           <p:cNvPr id="10" name="Google Shape;60;p14">
             <a:extLst>
               <a:ext uri="{FF2B5EF4-FFF2-40B4-BE49-F238E27FC236}">
@@ -10549,7 +10930,7 @@
                   </a:schemeClr>
                 </a:solidFill>
               </a:rPr>
-              <a:t>1: </a:t>
+              <a:t>: </a:t>
             </a:r>
             <a:r>
               <a:rPr lang="ja" altLang="en-US" sz="2000" dirty="0">
@@ -10559,7 +10940,7 @@
                   </a:schemeClr>
                 </a:solidFill>
               </a:rPr>
-              <a:t>回帰式</a:t>
+              <a:t>変数の説明</a:t>
             </a:r>
             <a:r>
               <a:rPr lang="en-US" altLang="ja" sz="2000" dirty="0">
@@ -10579,10 +10960,190 @@
           </a:p>
         </p:txBody>
       </p:sp>
+      <p:pic>
+        <p:nvPicPr>
+          <p:cNvPr id="12" name="Picture 11" descr="Chart, histogram&#10;&#10;Description automatically generated">
+            <a:extLst>
+              <a:ext uri="{FF2B5EF4-FFF2-40B4-BE49-F238E27FC236}">
+                <a16:creationId xmlns:a16="http://schemas.microsoft.com/office/drawing/2014/main" id="{0D124B63-6537-7945-AF8D-0AFFE62FC814}"/>
+              </a:ext>
+            </a:extLst>
+          </p:cNvPr>
+          <p:cNvPicPr>
+            <a:picLocks noChangeAspect="1"/>
+          </p:cNvPicPr>
+          <p:nvPr/>
+        </p:nvPicPr>
+        <p:blipFill>
+          <a:blip r:embed="rId3"/>
+          <a:stretch>
+            <a:fillRect/>
+          </a:stretch>
+        </p:blipFill>
+        <p:spPr>
+          <a:xfrm>
+            <a:off x="1404302" y="1153591"/>
+            <a:ext cx="2108441" cy="1533558"/>
+          </a:xfrm>
+          <a:prstGeom prst="rect">
+            <a:avLst/>
+          </a:prstGeom>
+        </p:spPr>
+      </p:pic>
+      <p:pic>
+        <p:nvPicPr>
+          <p:cNvPr id="14" name="Picture 13" descr="Chart, histogram&#10;&#10;Description automatically generated">
+            <a:extLst>
+              <a:ext uri="{FF2B5EF4-FFF2-40B4-BE49-F238E27FC236}">
+                <a16:creationId xmlns:a16="http://schemas.microsoft.com/office/drawing/2014/main" id="{859EC9A7-1016-524D-BE96-09BB48C1C2C4}"/>
+              </a:ext>
+            </a:extLst>
+          </p:cNvPr>
+          <p:cNvPicPr>
+            <a:picLocks noChangeAspect="1"/>
+          </p:cNvPicPr>
+          <p:nvPr/>
+        </p:nvPicPr>
+        <p:blipFill>
+          <a:blip r:embed="rId4"/>
+          <a:stretch>
+            <a:fillRect/>
+          </a:stretch>
+        </p:blipFill>
+        <p:spPr>
+          <a:xfrm>
+            <a:off x="3603854" y="1153590"/>
+            <a:ext cx="2108441" cy="1533558"/>
+          </a:xfrm>
+          <a:prstGeom prst="rect">
+            <a:avLst/>
+          </a:prstGeom>
+        </p:spPr>
+      </p:pic>
+      <p:pic>
+        <p:nvPicPr>
+          <p:cNvPr id="16" name="Picture 15" descr="Chart, histogram&#10;&#10;Description automatically generated">
+            <a:extLst>
+              <a:ext uri="{FF2B5EF4-FFF2-40B4-BE49-F238E27FC236}">
+                <a16:creationId xmlns:a16="http://schemas.microsoft.com/office/drawing/2014/main" id="{E4E18768-2A84-C040-A830-63368BEFC66C}"/>
+              </a:ext>
+            </a:extLst>
+          </p:cNvPr>
+          <p:cNvPicPr>
+            <a:picLocks noChangeAspect="1"/>
+          </p:cNvPicPr>
+          <p:nvPr/>
+        </p:nvPicPr>
+        <p:blipFill>
+          <a:blip r:embed="rId5"/>
+          <a:stretch>
+            <a:fillRect/>
+          </a:stretch>
+        </p:blipFill>
+        <p:spPr>
+          <a:xfrm>
+            <a:off x="5803406" y="1137982"/>
+            <a:ext cx="2108441" cy="1533558"/>
+          </a:xfrm>
+          <a:prstGeom prst="rect">
+            <a:avLst/>
+          </a:prstGeom>
+        </p:spPr>
+      </p:pic>
+      <p:pic>
+        <p:nvPicPr>
+          <p:cNvPr id="18" name="Picture 17" descr="Chart, histogram&#10;&#10;Description automatically generated">
+            <a:extLst>
+              <a:ext uri="{FF2B5EF4-FFF2-40B4-BE49-F238E27FC236}">
+                <a16:creationId xmlns:a16="http://schemas.microsoft.com/office/drawing/2014/main" id="{9165F314-0BC0-D348-99CA-62E46CC20D1B}"/>
+              </a:ext>
+            </a:extLst>
+          </p:cNvPr>
+          <p:cNvPicPr>
+            <a:picLocks noChangeAspect="1"/>
+          </p:cNvPicPr>
+          <p:nvPr/>
+        </p:nvPicPr>
+        <p:blipFill>
+          <a:blip r:embed="rId6"/>
+          <a:stretch>
+            <a:fillRect/>
+          </a:stretch>
+        </p:blipFill>
+        <p:spPr>
+          <a:xfrm>
+            <a:off x="1404301" y="2746881"/>
+            <a:ext cx="2108441" cy="1533558"/>
+          </a:xfrm>
+          <a:prstGeom prst="rect">
+            <a:avLst/>
+          </a:prstGeom>
+        </p:spPr>
+      </p:pic>
+      <p:pic>
+        <p:nvPicPr>
+          <p:cNvPr id="20" name="Picture 19" descr="Chart, histogram&#10;&#10;Description automatically generated">
+            <a:extLst>
+              <a:ext uri="{FF2B5EF4-FFF2-40B4-BE49-F238E27FC236}">
+                <a16:creationId xmlns:a16="http://schemas.microsoft.com/office/drawing/2014/main" id="{AFA987C8-4115-FD4E-B528-281EC3C9B03F}"/>
+              </a:ext>
+            </a:extLst>
+          </p:cNvPr>
+          <p:cNvPicPr>
+            <a:picLocks noChangeAspect="1"/>
+          </p:cNvPicPr>
+          <p:nvPr/>
+        </p:nvPicPr>
+        <p:blipFill>
+          <a:blip r:embed="rId7"/>
+          <a:stretch>
+            <a:fillRect/>
+          </a:stretch>
+        </p:blipFill>
+        <p:spPr>
+          <a:xfrm>
+            <a:off x="3603854" y="2746881"/>
+            <a:ext cx="2108442" cy="1533558"/>
+          </a:xfrm>
+          <a:prstGeom prst="rect">
+            <a:avLst/>
+          </a:prstGeom>
+        </p:spPr>
+      </p:pic>
+      <p:pic>
+        <p:nvPicPr>
+          <p:cNvPr id="22" name="Picture 21" descr="Chart, histogram&#10;&#10;Description automatically generated">
+            <a:extLst>
+              <a:ext uri="{FF2B5EF4-FFF2-40B4-BE49-F238E27FC236}">
+                <a16:creationId xmlns:a16="http://schemas.microsoft.com/office/drawing/2014/main" id="{9312F5F9-6523-F24F-B9CD-A67AE45191FA}"/>
+              </a:ext>
+            </a:extLst>
+          </p:cNvPr>
+          <p:cNvPicPr>
+            <a:picLocks noChangeAspect="1"/>
+          </p:cNvPicPr>
+          <p:nvPr/>
+        </p:nvPicPr>
+        <p:blipFill>
+          <a:blip r:embed="rId8"/>
+          <a:stretch>
+            <a:fillRect/>
+          </a:stretch>
+        </p:blipFill>
+        <p:spPr>
+          <a:xfrm>
+            <a:off x="5803405" y="2746881"/>
+            <a:ext cx="2108441" cy="1533558"/>
+          </a:xfrm>
+          <a:prstGeom prst="rect">
+            <a:avLst/>
+          </a:prstGeom>
+        </p:spPr>
+      </p:pic>
     </p:spTree>
     <p:extLst>
       <p:ext uri="{BB962C8B-B14F-4D97-AF65-F5344CB8AC3E}">
-        <p14:creationId xmlns:p14="http://schemas.microsoft.com/office/powerpoint/2010/main" val="2384277821"/>
+        <p14:creationId xmlns:p14="http://schemas.microsoft.com/office/powerpoint/2010/main" val="3927397302"/>
       </p:ext>
     </p:extLst>
   </p:cSld>
@@ -10597,7 +11158,7 @@
   <p:cSld>
     <p:spTree>
       <p:nvGrpSpPr>
-        <p:cNvPr id="1" name="Shape 149"/>
+        <p:cNvPr id="1" name="Shape 143"/>
         <p:cNvGrpSpPr/>
         <p:nvPr/>
       </p:nvGrpSpPr>
@@ -10611,10 +11172,65 @@
       </p:grpSpPr>
       <p:sp>
         <p:nvSpPr>
-          <p:cNvPr id="6" name="Google Shape;60;p14">
+          <p:cNvPr id="145" name="Google Shape;145;p26"/>
+          <p:cNvSpPr txBox="1">
+            <a:spLocks noGrp="1"/>
+          </p:cNvSpPr>
+          <p:nvPr>
+            <p:ph type="body" idx="1"/>
+          </p:nvPr>
+        </p:nvSpPr>
+        <p:spPr>
+          <a:xfrm>
+            <a:off x="311700" y="1349239"/>
+            <a:ext cx="8520600" cy="3416400"/>
+          </a:xfrm>
+          <a:prstGeom prst="rect">
+            <a:avLst/>
+          </a:prstGeom>
+        </p:spPr>
+        <p:txBody>
+          <a:bodyPr spcFirstLastPara="1" wrap="square" lIns="91425" tIns="91425" rIns="91425" bIns="91425" anchor="t" anchorCtr="0">
+            <a:noAutofit/>
+          </a:bodyPr>
+          <a:lstStyle/>
+          <a:p>
+            <a:pPr marL="0" lvl="0" indent="0" algn="l" rtl="0">
+              <a:spcBef>
+                <a:spcPts val="0"/>
+              </a:spcBef>
+              <a:spcAft>
+                <a:spcPts val="0"/>
+              </a:spcAft>
+              <a:buNone/>
+            </a:pPr>
+            <a:endParaRPr dirty="0"/>
+          </a:p>
+          <a:p>
+            <a:pPr marL="0" lvl="0" indent="0" algn="l" rtl="0">
+              <a:spcBef>
+                <a:spcPts val="0"/>
+              </a:spcBef>
+              <a:spcAft>
+                <a:spcPts val="0"/>
+              </a:spcAft>
+              <a:buClr>
+                <a:schemeClr val="dk1"/>
+              </a:buClr>
+              <a:buSzPts val="1100"/>
+              <a:buFont typeface="Arial"/>
+              <a:buNone/>
+            </a:pPr>
+            <a:endParaRPr dirty="0"/>
+          </a:p>
+        </p:txBody>
+      </p:sp>
+      <p:sp>
+        <p:nvSpPr>
+          <p:cNvPr id="10" name="Google Shape;60;p14">
             <a:extLst>
               <a:ext uri="{FF2B5EF4-FFF2-40B4-BE49-F238E27FC236}">
-                <a16:creationId xmlns:a16="http://schemas.microsoft.com/office/drawing/2014/main" id="{4FEE2675-98B8-364B-86EA-EC32E71BB25B}"/>
+                <a16:creationId xmlns:a16="http://schemas.microsoft.com/office/drawing/2014/main" id="{EB7C9595-C09A-3A44-8133-F5AF2246D2A4}"/>
               </a:ext>
             </a:extLst>
           </p:cNvPr>
@@ -10752,7 +11368,7 @@
           <a:p>
             <a:r>
               <a:rPr lang="ja-JP" altLang="en-US" sz="3600"/>
-              <a:t>分析結果　</a:t>
+              <a:t>分析概要　</a:t>
             </a:r>
             <a:r>
               <a:rPr lang="ja" altLang="en-US" sz="2000" dirty="0">
@@ -10792,7 +11408,27 @@
                   </a:schemeClr>
                 </a:solidFill>
               </a:rPr>
-              <a:t>1〜 </a:t>
+              <a:t>1: </a:t>
+            </a:r>
+            <a:r>
+              <a:rPr lang="ja" altLang="en-US" sz="2000" dirty="0">
+                <a:solidFill>
+                  <a:schemeClr val="accent3">
+                    <a:lumMod val="50000"/>
+                  </a:schemeClr>
+                </a:solidFill>
+              </a:rPr>
+              <a:t>回帰式</a:t>
+            </a:r>
+            <a:r>
+              <a:rPr lang="en-US" altLang="ja" sz="2000" dirty="0">
+                <a:solidFill>
+                  <a:schemeClr val="accent3">
+                    <a:lumMod val="50000"/>
+                  </a:schemeClr>
+                </a:solidFill>
+              </a:rPr>
+              <a:t>〜 </a:t>
             </a:r>
             <a:r>
               <a:rPr lang="ja-JP" altLang="en-US" sz="2000"/>
@@ -10802,37 +11438,12 @@
           </a:p>
         </p:txBody>
       </p:sp>
-      <p:pic>
-        <p:nvPicPr>
-          <p:cNvPr id="8" name="Picture 7" descr="Table&#10;&#10;Description automatically generated">
-            <a:extLst>
-              <a:ext uri="{FF2B5EF4-FFF2-40B4-BE49-F238E27FC236}">
-                <a16:creationId xmlns:a16="http://schemas.microsoft.com/office/drawing/2014/main" id="{8905BF01-BC9F-674C-A2A7-A1D61B4CEABE}"/>
-              </a:ext>
-            </a:extLst>
-          </p:cNvPr>
-          <p:cNvPicPr>
-            <a:picLocks noChangeAspect="1"/>
-          </p:cNvPicPr>
-          <p:nvPr/>
-        </p:nvPicPr>
-        <p:blipFill>
-          <a:blip r:embed="rId3"/>
-          <a:stretch>
-            <a:fillRect/>
-          </a:stretch>
-        </p:blipFill>
-        <p:spPr>
-          <a:xfrm>
-            <a:off x="2208457" y="925551"/>
-            <a:ext cx="4727086" cy="3771900"/>
-          </a:xfrm>
-          <a:prstGeom prst="rect">
-            <a:avLst/>
-          </a:prstGeom>
-        </p:spPr>
-      </p:pic>
     </p:spTree>
+    <p:extLst>
+      <p:ext uri="{BB962C8B-B14F-4D97-AF65-F5344CB8AC3E}">
+        <p14:creationId xmlns:p14="http://schemas.microsoft.com/office/powerpoint/2010/main" val="2384277821"/>
+      </p:ext>
+    </p:extLst>
   </p:cSld>
   <p:clrMapOvr>
     <a:masterClrMapping/>
@@ -11050,12 +11661,37 @@
           </a:p>
         </p:txBody>
       </p:sp>
+      <p:pic>
+        <p:nvPicPr>
+          <p:cNvPr id="12" name="Picture 11" descr="Table&#10;&#10;Description automatically generated">
+            <a:extLst>
+              <a:ext uri="{FF2B5EF4-FFF2-40B4-BE49-F238E27FC236}">
+                <a16:creationId xmlns:a16="http://schemas.microsoft.com/office/drawing/2014/main" id="{6944EF60-63CB-574A-833A-2AFDD3404777}"/>
+              </a:ext>
+            </a:extLst>
+          </p:cNvPr>
+          <p:cNvPicPr>
+            <a:picLocks noChangeAspect="1"/>
+          </p:cNvPicPr>
+          <p:nvPr/>
+        </p:nvPicPr>
+        <p:blipFill>
+          <a:blip r:embed="rId3"/>
+          <a:stretch>
+            <a:fillRect/>
+          </a:stretch>
+        </p:blipFill>
+        <p:spPr>
+          <a:xfrm>
+            <a:off x="2421123" y="959004"/>
+            <a:ext cx="4301754" cy="3693841"/>
+          </a:xfrm>
+          <a:prstGeom prst="rect">
+            <a:avLst/>
+          </a:prstGeom>
+        </p:spPr>
+      </p:pic>
     </p:spTree>
-    <p:extLst>
-      <p:ext uri="{BB962C8B-B14F-4D97-AF65-F5344CB8AC3E}">
-        <p14:creationId xmlns:p14="http://schemas.microsoft.com/office/powerpoint/2010/main" val="1059764139"/>
-      </p:ext>
-    </p:extLst>
   </p:cSld>
   <p:clrMapOvr>
     <a:masterClrMapping/>
@@ -11068,7 +11704,7 @@
   <p:cSld>
     <p:spTree>
       <p:nvGrpSpPr>
-        <p:cNvPr id="1" name="Shape 143"/>
+        <p:cNvPr id="1" name="Shape 149"/>
         <p:cNvGrpSpPr/>
         <p:nvPr/>
       </p:nvGrpSpPr>
@@ -11082,130 +11718,10 @@
       </p:grpSpPr>
       <p:sp>
         <p:nvSpPr>
-          <p:cNvPr id="145" name="Google Shape;145;p26"/>
-          <p:cNvSpPr txBox="1">
-            <a:spLocks noGrp="1"/>
-          </p:cNvSpPr>
-          <p:nvPr>
-            <p:ph type="body" idx="1"/>
-          </p:nvPr>
-        </p:nvSpPr>
-        <p:spPr>
-          <a:xfrm>
-            <a:off x="311700" y="1349239"/>
-            <a:ext cx="8520600" cy="3416400"/>
-          </a:xfrm>
-          <a:prstGeom prst="rect">
-            <a:avLst/>
-          </a:prstGeom>
-        </p:spPr>
-        <p:txBody>
-          <a:bodyPr spcFirstLastPara="1" wrap="square" lIns="91425" tIns="91425" rIns="91425" bIns="91425" anchor="t" anchorCtr="0">
-            <a:noAutofit/>
-          </a:bodyPr>
-          <a:lstStyle/>
-          <a:p>
-            <a:pPr marL="0" lvl="0" indent="0" algn="l" rtl="0">
-              <a:spcBef>
-                <a:spcPts val="0"/>
-              </a:spcBef>
-              <a:spcAft>
-                <a:spcPts val="0"/>
-              </a:spcAft>
-              <a:buNone/>
-            </a:pPr>
-            <a:endParaRPr dirty="0"/>
-          </a:p>
-          <a:p>
-            <a:pPr marL="0" lvl="0" indent="0" algn="l" rtl="0">
-              <a:spcBef>
-                <a:spcPts val="0"/>
-              </a:spcBef>
-              <a:spcAft>
-                <a:spcPts val="0"/>
-              </a:spcAft>
-              <a:buClr>
-                <a:schemeClr val="dk1"/>
-              </a:buClr>
-              <a:buSzPts val="1100"/>
-              <a:buFont typeface="Arial"/>
-              <a:buNone/>
-            </a:pPr>
-            <a:endParaRPr dirty="0"/>
-          </a:p>
-        </p:txBody>
-      </p:sp>
-      <p:sp>
-        <p:nvSpPr>
-          <p:cNvPr id="8" name="TextBox 7">
+          <p:cNvPr id="6" name="Google Shape;60;p14">
             <a:extLst>
               <a:ext uri="{FF2B5EF4-FFF2-40B4-BE49-F238E27FC236}">
-                <a16:creationId xmlns:a16="http://schemas.microsoft.com/office/drawing/2014/main" id="{1DE44783-D93F-E942-B1DD-C4725B7EC5CA}"/>
-              </a:ext>
-            </a:extLst>
-          </p:cNvPr>
-          <p:cNvSpPr txBox="1"/>
-          <p:nvPr/>
-        </p:nvSpPr>
-        <p:spPr>
-          <a:xfrm>
-            <a:off x="0" y="4782651"/>
-            <a:ext cx="7308300" cy="369332"/>
-          </a:xfrm>
-          <a:prstGeom prst="rect">
-            <a:avLst/>
-          </a:prstGeom>
-          <a:noFill/>
-        </p:spPr>
-        <p:txBody>
-          <a:bodyPr wrap="square" rtlCol="0">
-            <a:spAutoFit/>
-          </a:bodyPr>
-          <a:lstStyle/>
-          <a:p>
-            <a:r>
-              <a:rPr lang="en-US" sz="900" dirty="0">
-                <a:solidFill>
-                  <a:schemeClr val="bg1"/>
-                </a:solidFill>
-              </a:rPr>
-              <a:t>* 日本人観光客に関しては外国人観光客との整合性を取るため、宿泊を伴う観光の際の消費額のみを利用した。</a:t>
-            </a:r>
-          </a:p>
-          <a:p>
-            <a:r>
-              <a:rPr lang="en-US" sz="900" dirty="0">
-                <a:solidFill>
-                  <a:schemeClr val="bg1"/>
-                </a:solidFill>
-              </a:rPr>
-              <a:t>** </a:t>
-            </a:r>
-            <a:r>
-              <a:rPr lang="en-US" sz="900" dirty="0" err="1">
-                <a:solidFill>
-                  <a:schemeClr val="bg1"/>
-                </a:solidFill>
-              </a:rPr>
-              <a:t>日本人観光客に関してはデータの制約上、都道府県別ではなく地域別の平均宿泊数しか得られなかった</a:t>
-            </a:r>
-            <a:r>
-              <a:rPr lang="en-US" sz="900" dirty="0">
-                <a:solidFill>
-                  <a:schemeClr val="bg1"/>
-                </a:solidFill>
-              </a:rPr>
-              <a:t>。</a:t>
-            </a:r>
-          </a:p>
-        </p:txBody>
-      </p:sp>
-      <p:sp>
-        <p:nvSpPr>
-          <p:cNvPr id="10" name="Google Shape;60;p14">
-            <a:extLst>
-              <a:ext uri="{FF2B5EF4-FFF2-40B4-BE49-F238E27FC236}">
-                <a16:creationId xmlns:a16="http://schemas.microsoft.com/office/drawing/2014/main" id="{EB7C9595-C09A-3A44-8133-F5AF2246D2A4}"/>
+                <a16:creationId xmlns:a16="http://schemas.microsoft.com/office/drawing/2014/main" id="{4FEE2675-98B8-364B-86EA-EC32E71BB25B}"/>
               </a:ext>
             </a:extLst>
           </p:cNvPr>
@@ -11343,6 +11859,349 @@
           <a:p>
             <a:r>
               <a:rPr lang="ja-JP" altLang="en-US" sz="3600"/>
+              <a:t>分析結果　</a:t>
+            </a:r>
+            <a:r>
+              <a:rPr lang="ja" altLang="en-US" sz="2000" dirty="0">
+                <a:solidFill>
+                  <a:schemeClr val="accent3">
+                    <a:lumMod val="50000"/>
+                  </a:schemeClr>
+                </a:solidFill>
+              </a:rPr>
+              <a:t> </a:t>
+            </a:r>
+            <a:r>
+              <a:rPr lang="en-US" altLang="ja" sz="2000" dirty="0">
+                <a:solidFill>
+                  <a:schemeClr val="accent3">
+                    <a:lumMod val="50000"/>
+                  </a:schemeClr>
+                </a:solidFill>
+              </a:rPr>
+              <a:t>〜</a:t>
+            </a:r>
+            <a:r>
+              <a:rPr lang="ja" altLang="en-US" sz="2000" dirty="0">
+                <a:solidFill>
+                  <a:schemeClr val="accent3">
+                    <a:lumMod val="50000"/>
+                  </a:schemeClr>
+                </a:solidFill>
+              </a:rPr>
+              <a:t>分析モデル</a:t>
+            </a:r>
+            <a:r>
+              <a:rPr lang="en-US" altLang="ja" sz="2000" dirty="0">
+                <a:solidFill>
+                  <a:schemeClr val="accent3">
+                    <a:lumMod val="50000"/>
+                  </a:schemeClr>
+                </a:solidFill>
+              </a:rPr>
+              <a:t>1〜 </a:t>
+            </a:r>
+            <a:r>
+              <a:rPr lang="ja-JP" altLang="en-US" sz="2000"/>
+              <a:t>　</a:t>
+            </a:r>
+            <a:endParaRPr lang="ja-JP" altLang="en-US" sz="2000" dirty="0"/>
+          </a:p>
+        </p:txBody>
+      </p:sp>
+    </p:spTree>
+    <p:extLst>
+      <p:ext uri="{BB962C8B-B14F-4D97-AF65-F5344CB8AC3E}">
+        <p14:creationId xmlns:p14="http://schemas.microsoft.com/office/powerpoint/2010/main" val="1059764139"/>
+      </p:ext>
+    </p:extLst>
+  </p:cSld>
+  <p:clrMapOvr>
+    <a:masterClrMapping/>
+  </p:clrMapOvr>
+</p:sld>
+</file>
+
+<file path=ppt/slides/slide19.xml><?xml version="1.0" encoding="utf-8"?>
+<p:sld xmlns:a="http://schemas.openxmlformats.org/drawingml/2006/main" xmlns:r="http://schemas.openxmlformats.org/officeDocument/2006/relationships" xmlns:p="http://schemas.openxmlformats.org/presentationml/2006/main">
+  <p:cSld>
+    <p:spTree>
+      <p:nvGrpSpPr>
+        <p:cNvPr id="1" name="Shape 143"/>
+        <p:cNvGrpSpPr/>
+        <p:nvPr/>
+      </p:nvGrpSpPr>
+      <p:grpSpPr>
+        <a:xfrm>
+          <a:off x="0" y="0"/>
+          <a:ext cx="0" cy="0"/>
+          <a:chOff x="0" y="0"/>
+          <a:chExt cx="0" cy="0"/>
+        </a:xfrm>
+      </p:grpSpPr>
+      <p:sp>
+        <p:nvSpPr>
+          <p:cNvPr id="145" name="Google Shape;145;p26"/>
+          <p:cNvSpPr txBox="1">
+            <a:spLocks noGrp="1"/>
+          </p:cNvSpPr>
+          <p:nvPr>
+            <p:ph type="body" idx="1"/>
+          </p:nvPr>
+        </p:nvSpPr>
+        <p:spPr>
+          <a:xfrm>
+            <a:off x="311700" y="1349239"/>
+            <a:ext cx="8520600" cy="3416400"/>
+          </a:xfrm>
+          <a:prstGeom prst="rect">
+            <a:avLst/>
+          </a:prstGeom>
+        </p:spPr>
+        <p:txBody>
+          <a:bodyPr spcFirstLastPara="1" wrap="square" lIns="91425" tIns="91425" rIns="91425" bIns="91425" anchor="t" anchorCtr="0">
+            <a:noAutofit/>
+          </a:bodyPr>
+          <a:lstStyle/>
+          <a:p>
+            <a:pPr marL="0" lvl="0" indent="0" algn="l" rtl="0">
+              <a:spcBef>
+                <a:spcPts val="0"/>
+              </a:spcBef>
+              <a:spcAft>
+                <a:spcPts val="0"/>
+              </a:spcAft>
+              <a:buNone/>
+            </a:pPr>
+            <a:endParaRPr dirty="0"/>
+          </a:p>
+          <a:p>
+            <a:pPr marL="0" lvl="0" indent="0" algn="l" rtl="0">
+              <a:spcBef>
+                <a:spcPts val="0"/>
+              </a:spcBef>
+              <a:spcAft>
+                <a:spcPts val="0"/>
+              </a:spcAft>
+              <a:buClr>
+                <a:schemeClr val="dk1"/>
+              </a:buClr>
+              <a:buSzPts val="1100"/>
+              <a:buFont typeface="Arial"/>
+              <a:buNone/>
+            </a:pPr>
+            <a:endParaRPr dirty="0"/>
+          </a:p>
+        </p:txBody>
+      </p:sp>
+      <p:sp>
+        <p:nvSpPr>
+          <p:cNvPr id="8" name="TextBox 7">
+            <a:extLst>
+              <a:ext uri="{FF2B5EF4-FFF2-40B4-BE49-F238E27FC236}">
+                <a16:creationId xmlns:a16="http://schemas.microsoft.com/office/drawing/2014/main" id="{1DE44783-D93F-E942-B1DD-C4725B7EC5CA}"/>
+              </a:ext>
+            </a:extLst>
+          </p:cNvPr>
+          <p:cNvSpPr txBox="1"/>
+          <p:nvPr/>
+        </p:nvSpPr>
+        <p:spPr>
+          <a:xfrm>
+            <a:off x="0" y="4782651"/>
+            <a:ext cx="7308300" cy="369332"/>
+          </a:xfrm>
+          <a:prstGeom prst="rect">
+            <a:avLst/>
+          </a:prstGeom>
+          <a:noFill/>
+        </p:spPr>
+        <p:txBody>
+          <a:bodyPr wrap="square" rtlCol="0">
+            <a:spAutoFit/>
+          </a:bodyPr>
+          <a:lstStyle/>
+          <a:p>
+            <a:r>
+              <a:rPr lang="en-US" sz="900" dirty="0">
+                <a:solidFill>
+                  <a:schemeClr val="bg1"/>
+                </a:solidFill>
+              </a:rPr>
+              <a:t>* 日本人観光客に関しては外国人観光客との整合性を取るため、宿泊を伴う観光の際の消費額のみを利用した。</a:t>
+            </a:r>
+          </a:p>
+          <a:p>
+            <a:r>
+              <a:rPr lang="en-US" sz="900" dirty="0">
+                <a:solidFill>
+                  <a:schemeClr val="bg1"/>
+                </a:solidFill>
+              </a:rPr>
+              <a:t>** </a:t>
+            </a:r>
+            <a:r>
+              <a:rPr lang="en-US" sz="900" dirty="0" err="1">
+                <a:solidFill>
+                  <a:schemeClr val="bg1"/>
+                </a:solidFill>
+              </a:rPr>
+              <a:t>日本人観光客に関してはデータの制約上、都道府県別ではなく地域別の平均宿泊数しか得られなかった</a:t>
+            </a:r>
+            <a:r>
+              <a:rPr lang="en-US" sz="900" dirty="0">
+                <a:solidFill>
+                  <a:schemeClr val="bg1"/>
+                </a:solidFill>
+              </a:rPr>
+              <a:t>。</a:t>
+            </a:r>
+          </a:p>
+        </p:txBody>
+      </p:sp>
+      <p:sp>
+        <p:nvSpPr>
+          <p:cNvPr id="10" name="Google Shape;60;p14">
+            <a:extLst>
+              <a:ext uri="{FF2B5EF4-FFF2-40B4-BE49-F238E27FC236}">
+                <a16:creationId xmlns:a16="http://schemas.microsoft.com/office/drawing/2014/main" id="{EB7C9595-C09A-3A44-8133-F5AF2246D2A4}"/>
+              </a:ext>
+            </a:extLst>
+          </p:cNvPr>
+          <p:cNvSpPr txBox="1">
+            <a:spLocks/>
+          </p:cNvSpPr>
+          <p:nvPr/>
+        </p:nvSpPr>
+        <p:spPr>
+          <a:xfrm>
+            <a:off x="693326" y="233190"/>
+            <a:ext cx="8520600" cy="572700"/>
+          </a:xfrm>
+          <a:prstGeom prst="rect">
+            <a:avLst/>
+          </a:prstGeom>
+        </p:spPr>
+        <p:txBody>
+          <a:bodyPr spcFirstLastPara="1" vert="horz" wrap="square" lIns="91425" tIns="91425" rIns="91425" bIns="91425" rtlCol="0" anchor="t" anchorCtr="0">
+            <a:noAutofit/>
+          </a:bodyPr>
+          <a:lstStyle>
+            <a:lvl1pPr lvl="0" algn="l" defTabSz="685800" rtl="0" eaLnBrk="1" latinLnBrk="0" hangingPunct="1">
+              <a:lnSpc>
+                <a:spcPct val="85000"/>
+              </a:lnSpc>
+              <a:spcBef>
+                <a:spcPts val="0"/>
+              </a:spcBef>
+              <a:spcAft>
+                <a:spcPts val="0"/>
+              </a:spcAft>
+              <a:buSzPts val="2800"/>
+              <a:buNone/>
+              <a:defRPr kumimoji="1" sz="4400" kern="1200" spc="-38" baseline="0">
+                <a:solidFill>
+                  <a:schemeClr val="bg1">
+                    <a:lumMod val="50000"/>
+                  </a:schemeClr>
+                </a:solidFill>
+                <a:latin typeface="+mj-lt"/>
+                <a:ea typeface="+mj-ea"/>
+                <a:cs typeface="+mj-cs"/>
+              </a:defRPr>
+            </a:lvl1pPr>
+            <a:lvl2pPr lvl="1">
+              <a:spcBef>
+                <a:spcPts val="0"/>
+              </a:spcBef>
+              <a:spcAft>
+                <a:spcPts val="0"/>
+              </a:spcAft>
+              <a:buSzPts val="2800"/>
+              <a:buNone/>
+              <a:defRPr/>
+            </a:lvl2pPr>
+            <a:lvl3pPr lvl="2">
+              <a:spcBef>
+                <a:spcPts val="0"/>
+              </a:spcBef>
+              <a:spcAft>
+                <a:spcPts val="0"/>
+              </a:spcAft>
+              <a:buSzPts val="2800"/>
+              <a:buNone/>
+              <a:defRPr/>
+            </a:lvl3pPr>
+            <a:lvl4pPr lvl="3">
+              <a:spcBef>
+                <a:spcPts val="0"/>
+              </a:spcBef>
+              <a:spcAft>
+                <a:spcPts val="0"/>
+              </a:spcAft>
+              <a:buSzPts val="2800"/>
+              <a:buNone/>
+              <a:defRPr/>
+            </a:lvl4pPr>
+            <a:lvl5pPr lvl="4">
+              <a:spcBef>
+                <a:spcPts val="0"/>
+              </a:spcBef>
+              <a:spcAft>
+                <a:spcPts val="0"/>
+              </a:spcAft>
+              <a:buSzPts val="2800"/>
+              <a:buNone/>
+              <a:defRPr/>
+            </a:lvl5pPr>
+            <a:lvl6pPr lvl="5">
+              <a:spcBef>
+                <a:spcPts val="0"/>
+              </a:spcBef>
+              <a:spcAft>
+                <a:spcPts val="0"/>
+              </a:spcAft>
+              <a:buSzPts val="2800"/>
+              <a:buNone/>
+              <a:defRPr/>
+            </a:lvl6pPr>
+            <a:lvl7pPr lvl="6">
+              <a:spcBef>
+                <a:spcPts val="0"/>
+              </a:spcBef>
+              <a:spcAft>
+                <a:spcPts val="0"/>
+              </a:spcAft>
+              <a:buSzPts val="2800"/>
+              <a:buNone/>
+              <a:defRPr/>
+            </a:lvl7pPr>
+            <a:lvl8pPr lvl="7">
+              <a:spcBef>
+                <a:spcPts val="0"/>
+              </a:spcBef>
+              <a:spcAft>
+                <a:spcPts val="0"/>
+              </a:spcAft>
+              <a:buSzPts val="2800"/>
+              <a:buNone/>
+              <a:defRPr/>
+            </a:lvl8pPr>
+            <a:lvl9pPr lvl="8">
+              <a:spcBef>
+                <a:spcPts val="0"/>
+              </a:spcBef>
+              <a:spcAft>
+                <a:spcPts val="0"/>
+              </a:spcAft>
+              <a:buSzPts val="2800"/>
+              <a:buNone/>
+              <a:defRPr/>
+            </a:lvl9pPr>
+          </a:lstStyle>
+          <a:p>
+            <a:r>
+              <a:rPr lang="ja-JP" altLang="en-US" sz="3600"/>
               <a:t>分析概要　</a:t>
             </a:r>
             <a:r>
@@ -11426,7 +12285,315 @@
 </p:sld>
 </file>
 
-<file path=ppt/slides/slide19.xml><?xml version="1.0" encoding="utf-8"?>
+<file path=ppt/slides/slide2.xml><?xml version="1.0" encoding="utf-8"?>
+<p:sld xmlns:a="http://schemas.openxmlformats.org/drawingml/2006/main" xmlns:r="http://schemas.openxmlformats.org/officeDocument/2006/relationships" xmlns:p="http://schemas.openxmlformats.org/presentationml/2006/main">
+  <p:cSld>
+    <p:spTree>
+      <p:nvGrpSpPr>
+        <p:cNvPr id="1" name="Shape 59"/>
+        <p:cNvGrpSpPr/>
+        <p:nvPr/>
+      </p:nvGrpSpPr>
+      <p:grpSpPr>
+        <a:xfrm>
+          <a:off x="0" y="0"/>
+          <a:ext cx="0" cy="0"/>
+          <a:chOff x="0" y="0"/>
+          <a:chExt cx="0" cy="0"/>
+        </a:xfrm>
+      </p:grpSpPr>
+      <p:sp>
+        <p:nvSpPr>
+          <p:cNvPr id="60" name="Google Shape;60;p14"/>
+          <p:cNvSpPr txBox="1">
+            <a:spLocks noGrp="1"/>
+          </p:cNvSpPr>
+          <p:nvPr>
+            <p:ph type="title"/>
+          </p:nvPr>
+        </p:nvSpPr>
+        <p:spPr>
+          <a:xfrm>
+            <a:off x="693326" y="233190"/>
+            <a:ext cx="8520600" cy="572700"/>
+          </a:xfrm>
+          <a:prstGeom prst="rect">
+            <a:avLst/>
+          </a:prstGeom>
+        </p:spPr>
+        <p:txBody>
+          <a:bodyPr spcFirstLastPara="1" wrap="square" lIns="91425" tIns="91425" rIns="91425" bIns="91425" anchor="t" anchorCtr="0">
+            <a:noAutofit/>
+          </a:bodyPr>
+          <a:lstStyle/>
+          <a:p>
+            <a:pPr marL="0" lvl="0" indent="0" algn="l" rtl="0">
+              <a:spcBef>
+                <a:spcPts val="0"/>
+              </a:spcBef>
+              <a:spcAft>
+                <a:spcPts val="0"/>
+              </a:spcAft>
+              <a:buNone/>
+            </a:pPr>
+            <a:r>
+              <a:rPr lang="ja" sz="3600" dirty="0">
+                <a:solidFill>
+                  <a:schemeClr val="bg1">
+                    <a:lumMod val="50000"/>
+                  </a:schemeClr>
+                </a:solidFill>
+              </a:rPr>
+              <a:t>目次</a:t>
+            </a:r>
+            <a:endParaRPr sz="3600" dirty="0">
+              <a:solidFill>
+                <a:schemeClr val="bg1">
+                  <a:lumMod val="50000"/>
+                </a:schemeClr>
+              </a:solidFill>
+            </a:endParaRPr>
+          </a:p>
+        </p:txBody>
+      </p:sp>
+      <p:sp>
+        <p:nvSpPr>
+          <p:cNvPr id="61" name="Google Shape;61;p14"/>
+          <p:cNvSpPr txBox="1">
+            <a:spLocks noGrp="1"/>
+          </p:cNvSpPr>
+          <p:nvPr>
+            <p:ph type="body" idx="1"/>
+          </p:nvPr>
+        </p:nvSpPr>
+        <p:spPr>
+          <a:xfrm>
+            <a:off x="822799" y="1081217"/>
+            <a:ext cx="3628200" cy="3416400"/>
+          </a:xfrm>
+          <a:prstGeom prst="rect">
+            <a:avLst/>
+          </a:prstGeom>
+        </p:spPr>
+        <p:txBody>
+          <a:bodyPr spcFirstLastPara="1" wrap="square" lIns="91425" tIns="91425" rIns="91425" bIns="91425" anchor="t" anchorCtr="0">
+            <a:noAutofit/>
+          </a:bodyPr>
+          <a:lstStyle/>
+          <a:p>
+            <a:pPr marL="0" lvl="0" indent="0" algn="l" rtl="0">
+              <a:spcBef>
+                <a:spcPts val="0"/>
+              </a:spcBef>
+              <a:spcAft>
+                <a:spcPts val="0"/>
+              </a:spcAft>
+              <a:buNone/>
+            </a:pPr>
+            <a:r>
+              <a:rPr lang="ja-JP" altLang="en-US" sz="2500" dirty="0"/>
+              <a:t>１　</a:t>
+            </a:r>
+            <a:r>
+              <a:rPr lang="ja-JP" altLang="en-US" sz="2500"/>
+              <a:t>研究テーマ　　　　　</a:t>
+            </a:r>
+            <a:endParaRPr lang="ja-JP" altLang="en-US" sz="2500" dirty="0"/>
+          </a:p>
+          <a:p>
+            <a:pPr marL="0" lvl="0" indent="0" algn="l" rtl="0">
+              <a:spcBef>
+                <a:spcPts val="1600"/>
+              </a:spcBef>
+              <a:spcAft>
+                <a:spcPts val="0"/>
+              </a:spcAft>
+              <a:buNone/>
+            </a:pPr>
+            <a:r>
+              <a:rPr lang="ja-JP" altLang="en-US" sz="2500" dirty="0"/>
+              <a:t>２　研究背景</a:t>
+            </a:r>
+          </a:p>
+          <a:p>
+            <a:pPr marL="0" lvl="0" indent="0" algn="l" rtl="0">
+              <a:spcBef>
+                <a:spcPts val="1600"/>
+              </a:spcBef>
+              <a:spcAft>
+                <a:spcPts val="0"/>
+              </a:spcAft>
+              <a:buNone/>
+            </a:pPr>
+            <a:r>
+              <a:rPr lang="ja-JP" altLang="en-US" sz="2500" dirty="0"/>
+              <a:t>３　先行研究</a:t>
+            </a:r>
+          </a:p>
+          <a:p>
+            <a:pPr marL="0" lvl="0" indent="0" algn="l" rtl="0">
+              <a:spcBef>
+                <a:spcPts val="1600"/>
+              </a:spcBef>
+              <a:spcAft>
+                <a:spcPts val="0"/>
+              </a:spcAft>
+              <a:buNone/>
+            </a:pPr>
+            <a:r>
+              <a:rPr lang="ja-JP" altLang="en-US" sz="2500" dirty="0"/>
+              <a:t>４　研究概要</a:t>
+            </a:r>
+          </a:p>
+          <a:p>
+            <a:pPr marL="0" lvl="0" indent="0" algn="l" rtl="0">
+              <a:spcBef>
+                <a:spcPts val="1600"/>
+              </a:spcBef>
+              <a:spcAft>
+                <a:spcPts val="0"/>
+              </a:spcAft>
+              <a:buNone/>
+            </a:pPr>
+            <a:r>
+              <a:rPr lang="ja-JP" altLang="en-US" sz="2500" dirty="0"/>
+              <a:t>５　分析結果</a:t>
+            </a:r>
+          </a:p>
+          <a:p>
+            <a:pPr marL="0" lvl="0" indent="0" algn="l" rtl="0">
+              <a:spcBef>
+                <a:spcPts val="1600"/>
+              </a:spcBef>
+              <a:spcAft>
+                <a:spcPts val="1600"/>
+              </a:spcAft>
+              <a:buNone/>
+            </a:pPr>
+            <a:endParaRPr lang="ja-JP" altLang="en-US" dirty="0"/>
+          </a:p>
+        </p:txBody>
+      </p:sp>
+      <p:sp>
+        <p:nvSpPr>
+          <p:cNvPr id="62" name="Google Shape;62;p14"/>
+          <p:cNvSpPr txBox="1"/>
+          <p:nvPr/>
+        </p:nvSpPr>
+        <p:spPr>
+          <a:xfrm>
+            <a:off x="4693003" y="1000296"/>
+            <a:ext cx="4414200" cy="3554400"/>
+          </a:xfrm>
+          <a:prstGeom prst="rect">
+            <a:avLst/>
+          </a:prstGeom>
+          <a:noFill/>
+          <a:ln>
+            <a:noFill/>
+          </a:ln>
+        </p:spPr>
+        <p:txBody>
+          <a:bodyPr spcFirstLastPara="1" wrap="square" lIns="91425" tIns="91425" rIns="91425" bIns="91425" anchor="t" anchorCtr="0">
+            <a:noAutofit/>
+          </a:bodyPr>
+          <a:lstStyle/>
+          <a:p>
+            <a:pPr marL="0" lvl="0" indent="0" algn="l" rtl="0">
+              <a:spcBef>
+                <a:spcPts val="0"/>
+              </a:spcBef>
+              <a:spcAft>
+                <a:spcPts val="0"/>
+              </a:spcAft>
+              <a:buNone/>
+            </a:pPr>
+            <a:r>
+              <a:rPr lang="ja" sz="2500" dirty="0">
+                <a:latin typeface="+mn-ea"/>
+              </a:rPr>
+              <a:t>６　結論</a:t>
+            </a:r>
+            <a:endParaRPr sz="2500" dirty="0">
+              <a:latin typeface="+mn-ea"/>
+            </a:endParaRPr>
+          </a:p>
+          <a:p>
+            <a:pPr marL="0" lvl="0" indent="0" algn="l" rtl="0">
+              <a:spcBef>
+                <a:spcPts val="1600"/>
+              </a:spcBef>
+              <a:spcAft>
+                <a:spcPts val="0"/>
+              </a:spcAft>
+              <a:buNone/>
+            </a:pPr>
+            <a:r>
+              <a:rPr lang="ja" sz="2500" dirty="0">
+                <a:latin typeface="+mn-ea"/>
+              </a:rPr>
+              <a:t>７　考察</a:t>
+            </a:r>
+            <a:endParaRPr sz="2500" dirty="0">
+              <a:latin typeface="+mn-ea"/>
+            </a:endParaRPr>
+          </a:p>
+          <a:p>
+            <a:pPr marL="0" lvl="0" indent="0" algn="l" rtl="0">
+              <a:spcBef>
+                <a:spcPts val="1600"/>
+              </a:spcBef>
+              <a:spcAft>
+                <a:spcPts val="0"/>
+              </a:spcAft>
+              <a:buNone/>
+            </a:pPr>
+            <a:r>
+              <a:rPr lang="ja" sz="2500" dirty="0">
+                <a:latin typeface="+mn-ea"/>
+              </a:rPr>
+              <a:t>８　課題</a:t>
+            </a:r>
+            <a:endParaRPr sz="2500" dirty="0">
+              <a:latin typeface="+mn-ea"/>
+            </a:endParaRPr>
+          </a:p>
+          <a:p>
+            <a:pPr marL="0" lvl="0" indent="0" algn="l" rtl="0">
+              <a:spcBef>
+                <a:spcPts val="1600"/>
+              </a:spcBef>
+              <a:spcAft>
+                <a:spcPts val="1600"/>
+              </a:spcAft>
+              <a:buClr>
+                <a:schemeClr val="dk1"/>
+              </a:buClr>
+              <a:buSzPts val="1100"/>
+              <a:buFont typeface="Arial"/>
+              <a:buNone/>
+            </a:pPr>
+            <a:r>
+              <a:rPr lang="ja" sz="2500" dirty="0">
+                <a:latin typeface="+mn-ea"/>
+              </a:rPr>
+              <a:t>９　参考文献</a:t>
+            </a:r>
+            <a:endParaRPr sz="2500" dirty="0">
+              <a:latin typeface="+mn-ea"/>
+            </a:endParaRPr>
+          </a:p>
+        </p:txBody>
+      </p:sp>
+    </p:spTree>
+  </p:cSld>
+  <p:clrMapOvr>
+    <a:masterClrMapping/>
+  </p:clrMapOvr>
+</p:sld>
+</file>
+
+<file path=ppt/slides/slide20.xml><?xml version="1.0" encoding="utf-8"?>
 <p:sld xmlns:a="http://schemas.openxmlformats.org/drawingml/2006/main" xmlns:r="http://schemas.openxmlformats.org/officeDocument/2006/relationships" xmlns:p="http://schemas.openxmlformats.org/presentationml/2006/main">
   <p:cSld>
     <p:spTree>
@@ -11679,12 +12846,12 @@
 </p:sld>
 </file>
 
-<file path=ppt/slides/slide2.xml><?xml version="1.0" encoding="utf-8"?>
+<file path=ppt/slides/slide21.xml><?xml version="1.0" encoding="utf-8"?>
 <p:sld xmlns:a="http://schemas.openxmlformats.org/drawingml/2006/main" xmlns:r="http://schemas.openxmlformats.org/officeDocument/2006/relationships" xmlns:p="http://schemas.openxmlformats.org/presentationml/2006/main">
   <p:cSld>
     <p:spTree>
       <p:nvGrpSpPr>
-        <p:cNvPr id="1" name="Shape 59"/>
+        <p:cNvPr id="1" name="Shape 149"/>
         <p:cNvGrpSpPr/>
         <p:nvPr/>
       </p:nvGrpSpPr>
@@ -11698,13 +12865,17 @@
       </p:grpSpPr>
       <p:sp>
         <p:nvSpPr>
-          <p:cNvPr id="60" name="Google Shape;60;p14"/>
+          <p:cNvPr id="6" name="Google Shape;60;p14">
+            <a:extLst>
+              <a:ext uri="{FF2B5EF4-FFF2-40B4-BE49-F238E27FC236}">
+                <a16:creationId xmlns:a16="http://schemas.microsoft.com/office/drawing/2014/main" id="{4FEE2675-98B8-364B-86EA-EC32E71BB25B}"/>
+              </a:ext>
+            </a:extLst>
+          </p:cNvPr>
           <p:cNvSpPr txBox="1">
-            <a:spLocks noGrp="1"/>
+            <a:spLocks/>
           </p:cNvSpPr>
-          <p:nvPr>
-            <p:ph type="title"/>
-          </p:nvPr>
+          <p:nvPr/>
         </p:nvSpPr>
         <p:spPr>
           <a:xfrm>
@@ -11716,270 +12887,181 @@
           </a:prstGeom>
         </p:spPr>
         <p:txBody>
-          <a:bodyPr spcFirstLastPara="1" wrap="square" lIns="91425" tIns="91425" rIns="91425" bIns="91425" anchor="t" anchorCtr="0">
+          <a:bodyPr spcFirstLastPara="1" vert="horz" wrap="square" lIns="91425" tIns="91425" rIns="91425" bIns="91425" rtlCol="0" anchor="t" anchorCtr="0">
             <a:noAutofit/>
           </a:bodyPr>
-          <a:lstStyle/>
-          <a:p>
-            <a:pPr marL="0" lvl="0" indent="0" algn="l" rtl="0">
-              <a:spcBef>
-                <a:spcPts val="0"/>
-              </a:spcBef>
-              <a:spcAft>
-                <a:spcPts val="0"/>
-              </a:spcAft>
-              <a:buNone/>
-            </a:pPr>
-            <a:r>
-              <a:rPr lang="ja" sz="3600" dirty="0">
+          <a:lstStyle>
+            <a:lvl1pPr lvl="0" algn="l" defTabSz="685800" rtl="0" eaLnBrk="1" latinLnBrk="0" hangingPunct="1">
+              <a:lnSpc>
+                <a:spcPct val="85000"/>
+              </a:lnSpc>
+              <a:spcBef>
+                <a:spcPts val="0"/>
+              </a:spcBef>
+              <a:spcAft>
+                <a:spcPts val="0"/>
+              </a:spcAft>
+              <a:buSzPts val="2800"/>
+              <a:buNone/>
+              <a:defRPr kumimoji="1" sz="4400" kern="1200" spc="-38" baseline="0">
                 <a:solidFill>
                   <a:schemeClr val="bg1">
                     <a:lumMod val="50000"/>
                   </a:schemeClr>
                 </a:solidFill>
+                <a:latin typeface="+mj-lt"/>
+                <a:ea typeface="+mj-ea"/>
+                <a:cs typeface="+mj-cs"/>
+              </a:defRPr>
+            </a:lvl1pPr>
+            <a:lvl2pPr lvl="1">
+              <a:spcBef>
+                <a:spcPts val="0"/>
+              </a:spcBef>
+              <a:spcAft>
+                <a:spcPts val="0"/>
+              </a:spcAft>
+              <a:buSzPts val="2800"/>
+              <a:buNone/>
+              <a:defRPr/>
+            </a:lvl2pPr>
+            <a:lvl3pPr lvl="2">
+              <a:spcBef>
+                <a:spcPts val="0"/>
+              </a:spcBef>
+              <a:spcAft>
+                <a:spcPts val="0"/>
+              </a:spcAft>
+              <a:buSzPts val="2800"/>
+              <a:buNone/>
+              <a:defRPr/>
+            </a:lvl3pPr>
+            <a:lvl4pPr lvl="3">
+              <a:spcBef>
+                <a:spcPts val="0"/>
+              </a:spcBef>
+              <a:spcAft>
+                <a:spcPts val="0"/>
+              </a:spcAft>
+              <a:buSzPts val="2800"/>
+              <a:buNone/>
+              <a:defRPr/>
+            </a:lvl4pPr>
+            <a:lvl5pPr lvl="4">
+              <a:spcBef>
+                <a:spcPts val="0"/>
+              </a:spcBef>
+              <a:spcAft>
+                <a:spcPts val="0"/>
+              </a:spcAft>
+              <a:buSzPts val="2800"/>
+              <a:buNone/>
+              <a:defRPr/>
+            </a:lvl5pPr>
+            <a:lvl6pPr lvl="5">
+              <a:spcBef>
+                <a:spcPts val="0"/>
+              </a:spcBef>
+              <a:spcAft>
+                <a:spcPts val="0"/>
+              </a:spcAft>
+              <a:buSzPts val="2800"/>
+              <a:buNone/>
+              <a:defRPr/>
+            </a:lvl6pPr>
+            <a:lvl7pPr lvl="6">
+              <a:spcBef>
+                <a:spcPts val="0"/>
+              </a:spcBef>
+              <a:spcAft>
+                <a:spcPts val="0"/>
+              </a:spcAft>
+              <a:buSzPts val="2800"/>
+              <a:buNone/>
+              <a:defRPr/>
+            </a:lvl7pPr>
+            <a:lvl8pPr lvl="7">
+              <a:spcBef>
+                <a:spcPts val="0"/>
+              </a:spcBef>
+              <a:spcAft>
+                <a:spcPts val="0"/>
+              </a:spcAft>
+              <a:buSzPts val="2800"/>
+              <a:buNone/>
+              <a:defRPr/>
+            </a:lvl8pPr>
+            <a:lvl9pPr lvl="8">
+              <a:spcBef>
+                <a:spcPts val="0"/>
+              </a:spcBef>
+              <a:spcAft>
+                <a:spcPts val="0"/>
+              </a:spcAft>
+              <a:buSzPts val="2800"/>
+              <a:buNone/>
+              <a:defRPr/>
+            </a:lvl9pPr>
+          </a:lstStyle>
+          <a:p>
+            <a:r>
+              <a:rPr lang="ja-JP" altLang="en-US" sz="3600"/>
+              <a:t>分析結果　</a:t>
+            </a:r>
+            <a:r>
+              <a:rPr lang="ja" altLang="en-US" sz="2000" dirty="0">
+                <a:solidFill>
+                  <a:schemeClr val="accent3">
+                    <a:lumMod val="50000"/>
+                  </a:schemeClr>
+                </a:solidFill>
               </a:rPr>
-              <a:t>目次</a:t>
-            </a:r>
-            <a:endParaRPr sz="3600" dirty="0">
-              <a:solidFill>
-                <a:schemeClr val="bg1">
-                  <a:lumMod val="50000"/>
-                </a:schemeClr>
-              </a:solidFill>
-            </a:endParaRPr>
+              <a:t> </a:t>
+            </a:r>
+            <a:r>
+              <a:rPr lang="en-US" altLang="ja" sz="2000" dirty="0">
+                <a:solidFill>
+                  <a:schemeClr val="accent3">
+                    <a:lumMod val="50000"/>
+                  </a:schemeClr>
+                </a:solidFill>
+              </a:rPr>
+              <a:t>〜</a:t>
+            </a:r>
+            <a:r>
+              <a:rPr lang="ja" altLang="en-US" sz="2000" dirty="0">
+                <a:solidFill>
+                  <a:schemeClr val="accent3">
+                    <a:lumMod val="50000"/>
+                  </a:schemeClr>
+                </a:solidFill>
+              </a:rPr>
+              <a:t>分析モデル</a:t>
+            </a:r>
+            <a:r>
+              <a:rPr lang="en-US" altLang="ja" sz="2000" dirty="0">
+                <a:solidFill>
+                  <a:schemeClr val="accent3">
+                    <a:lumMod val="50000"/>
+                  </a:schemeClr>
+                </a:solidFill>
+              </a:rPr>
+              <a:t>2〜 </a:t>
+            </a:r>
+            <a:r>
+              <a:rPr lang="ja-JP" altLang="en-US" sz="2000"/>
+              <a:t>　</a:t>
+            </a:r>
+            <a:endParaRPr lang="ja-JP" altLang="en-US" sz="2000" dirty="0"/>
           </a:p>
         </p:txBody>
       </p:sp>
-      <p:sp>
-        <p:nvSpPr>
-          <p:cNvPr id="61" name="Google Shape;61;p14"/>
-          <p:cNvSpPr txBox="1">
-            <a:spLocks noGrp="1"/>
-          </p:cNvSpPr>
-          <p:nvPr>
-            <p:ph type="body" idx="1"/>
-          </p:nvPr>
-        </p:nvSpPr>
-        <p:spPr>
-          <a:xfrm>
-            <a:off x="822799" y="1081217"/>
-            <a:ext cx="3628200" cy="3416400"/>
-          </a:xfrm>
-          <a:prstGeom prst="rect">
-            <a:avLst/>
-          </a:prstGeom>
-        </p:spPr>
-        <p:txBody>
-          <a:bodyPr spcFirstLastPara="1" wrap="square" lIns="91425" tIns="91425" rIns="91425" bIns="91425" anchor="t" anchorCtr="0">
-            <a:noAutofit/>
-          </a:bodyPr>
-          <a:lstStyle/>
-          <a:p>
-            <a:pPr marL="0" lvl="0" indent="0" algn="l" rtl="0">
-              <a:spcBef>
-                <a:spcPts val="0"/>
-              </a:spcBef>
-              <a:spcAft>
-                <a:spcPts val="0"/>
-              </a:spcAft>
-              <a:buNone/>
-            </a:pPr>
-            <a:r>
-              <a:rPr lang="ja-JP" altLang="en-US" sz="2500" dirty="0"/>
-              <a:t>１　</a:t>
-            </a:r>
-            <a:r>
-              <a:rPr lang="ja-JP" altLang="en-US" sz="2500"/>
-              <a:t>研究テーマ　　　　　</a:t>
-            </a:r>
-            <a:endParaRPr lang="ja-JP" altLang="en-US" sz="2500" dirty="0"/>
-          </a:p>
-          <a:p>
-            <a:pPr marL="0" lvl="0" indent="0" algn="l" rtl="0">
-              <a:spcBef>
-                <a:spcPts val="1600"/>
-              </a:spcBef>
-              <a:spcAft>
-                <a:spcPts val="0"/>
-              </a:spcAft>
-              <a:buNone/>
-            </a:pPr>
-            <a:r>
-              <a:rPr lang="ja-JP" altLang="en-US" sz="2500" dirty="0"/>
-              <a:t>２　研究背景</a:t>
-            </a:r>
-          </a:p>
-          <a:p>
-            <a:pPr marL="0" lvl="0" indent="0" algn="l" rtl="0">
-              <a:spcBef>
-                <a:spcPts val="1600"/>
-              </a:spcBef>
-              <a:spcAft>
-                <a:spcPts val="0"/>
-              </a:spcAft>
-              <a:buNone/>
-            </a:pPr>
-            <a:r>
-              <a:rPr lang="ja-JP" altLang="en-US" sz="2500" dirty="0"/>
-              <a:t>３　先行研究</a:t>
-            </a:r>
-          </a:p>
-          <a:p>
-            <a:pPr marL="0" lvl="0" indent="0" algn="l" rtl="0">
-              <a:spcBef>
-                <a:spcPts val="1600"/>
-              </a:spcBef>
-              <a:spcAft>
-                <a:spcPts val="0"/>
-              </a:spcAft>
-              <a:buNone/>
-            </a:pPr>
-            <a:r>
-              <a:rPr lang="ja-JP" altLang="en-US" sz="2500" dirty="0"/>
-              <a:t>４　研究概要</a:t>
-            </a:r>
-          </a:p>
-          <a:p>
-            <a:pPr marL="0" lvl="0" indent="0" algn="l" rtl="0">
-              <a:spcBef>
-                <a:spcPts val="1600"/>
-              </a:spcBef>
-              <a:spcAft>
-                <a:spcPts val="0"/>
-              </a:spcAft>
-              <a:buNone/>
-            </a:pPr>
-            <a:r>
-              <a:rPr lang="ja-JP" altLang="en-US" sz="2500" dirty="0"/>
-              <a:t>５　分析結果</a:t>
-            </a:r>
-          </a:p>
-          <a:p>
-            <a:pPr marL="0" lvl="0" indent="0" algn="l" rtl="0">
-              <a:spcBef>
-                <a:spcPts val="1600"/>
-              </a:spcBef>
-              <a:spcAft>
-                <a:spcPts val="1600"/>
-              </a:spcAft>
-              <a:buNone/>
-            </a:pPr>
-            <a:endParaRPr lang="ja-JP" altLang="en-US" dirty="0"/>
-          </a:p>
-        </p:txBody>
-      </p:sp>
-      <p:sp>
-        <p:nvSpPr>
-          <p:cNvPr id="62" name="Google Shape;62;p14"/>
-          <p:cNvSpPr txBox="1"/>
-          <p:nvPr/>
-        </p:nvSpPr>
-        <p:spPr>
-          <a:xfrm>
-            <a:off x="4693003" y="1000296"/>
-            <a:ext cx="4414200" cy="3554400"/>
-          </a:xfrm>
-          <a:prstGeom prst="rect">
-            <a:avLst/>
-          </a:prstGeom>
-          <a:noFill/>
-          <a:ln>
-            <a:noFill/>
-          </a:ln>
-        </p:spPr>
-        <p:txBody>
-          <a:bodyPr spcFirstLastPara="1" wrap="square" lIns="91425" tIns="91425" rIns="91425" bIns="91425" anchor="t" anchorCtr="0">
-            <a:noAutofit/>
-          </a:bodyPr>
-          <a:lstStyle/>
-          <a:p>
-            <a:pPr marL="0" lvl="0" indent="0" algn="l" rtl="0">
-              <a:spcBef>
-                <a:spcPts val="0"/>
-              </a:spcBef>
-              <a:spcAft>
-                <a:spcPts val="0"/>
-              </a:spcAft>
-              <a:buNone/>
-            </a:pPr>
-            <a:r>
-              <a:rPr lang="ja" sz="2500" dirty="0">
-                <a:latin typeface="+mn-ea"/>
-              </a:rPr>
-              <a:t>６　結論</a:t>
-            </a:r>
-            <a:endParaRPr sz="2500" dirty="0">
-              <a:latin typeface="+mn-ea"/>
-            </a:endParaRPr>
-          </a:p>
-          <a:p>
-            <a:pPr marL="0" lvl="0" indent="0" algn="l" rtl="0">
-              <a:spcBef>
-                <a:spcPts val="1600"/>
-              </a:spcBef>
-              <a:spcAft>
-                <a:spcPts val="0"/>
-              </a:spcAft>
-              <a:buNone/>
-            </a:pPr>
-            <a:r>
-              <a:rPr lang="ja" sz="2500" dirty="0">
-                <a:latin typeface="+mn-ea"/>
-              </a:rPr>
-              <a:t>７　考察</a:t>
-            </a:r>
-            <a:endParaRPr sz="2500" dirty="0">
-              <a:latin typeface="+mn-ea"/>
-            </a:endParaRPr>
-          </a:p>
-          <a:p>
-            <a:pPr marL="0" lvl="0" indent="0" algn="l" rtl="0">
-              <a:spcBef>
-                <a:spcPts val="1600"/>
-              </a:spcBef>
-              <a:spcAft>
-                <a:spcPts val="0"/>
-              </a:spcAft>
-              <a:buNone/>
-            </a:pPr>
-            <a:r>
-              <a:rPr lang="ja" sz="2500" dirty="0">
-                <a:latin typeface="+mn-ea"/>
-              </a:rPr>
-              <a:t>８　課題</a:t>
-            </a:r>
-            <a:endParaRPr sz="2500" dirty="0">
-              <a:latin typeface="+mn-ea"/>
-            </a:endParaRPr>
-          </a:p>
-          <a:p>
-            <a:pPr marL="0" lvl="0" indent="0" algn="l" rtl="0">
-              <a:spcBef>
-                <a:spcPts val="1600"/>
-              </a:spcBef>
-              <a:spcAft>
-                <a:spcPts val="1600"/>
-              </a:spcAft>
-              <a:buClr>
-                <a:schemeClr val="dk1"/>
-              </a:buClr>
-              <a:buSzPts val="1100"/>
-              <a:buFont typeface="Arial"/>
-              <a:buNone/>
-            </a:pPr>
-            <a:r>
-              <a:rPr lang="ja" sz="2500" dirty="0">
-                <a:latin typeface="+mn-ea"/>
-              </a:rPr>
-              <a:t>９　参考文献</a:t>
-            </a:r>
-            <a:endParaRPr sz="2500" dirty="0">
-              <a:latin typeface="+mn-ea"/>
-            </a:endParaRPr>
-          </a:p>
-        </p:txBody>
-      </p:sp>
     </p:spTree>
+    <p:extLst>
+      <p:ext uri="{BB962C8B-B14F-4D97-AF65-F5344CB8AC3E}">
+        <p14:creationId xmlns:p14="http://schemas.microsoft.com/office/powerpoint/2010/main" val="3567686256"/>
+      </p:ext>
+    </p:extLst>
   </p:cSld>
   <p:clrMapOvr>
     <a:masterClrMapping/>
@@ -11987,7 +13069,7 @@
 </p:sld>
 </file>
 
-<file path=ppt/slides/slide20.xml><?xml version="1.0" encoding="utf-8"?>
+<file path=ppt/slides/slide22.xml><?xml version="1.0" encoding="utf-8"?>
 <p:sld xmlns:a="http://schemas.openxmlformats.org/drawingml/2006/main" xmlns:r="http://schemas.openxmlformats.org/officeDocument/2006/relationships" xmlns:p="http://schemas.openxmlformats.org/presentationml/2006/main">
   <p:cSld>
     <p:spTree>
@@ -12006,17 +13088,21 @@
       </p:grpSpPr>
       <p:sp>
         <p:nvSpPr>
-          <p:cNvPr id="175" name="Google Shape;175;p31"/>
+          <p:cNvPr id="7" name="Google Shape;60;p14">
+            <a:extLst>
+              <a:ext uri="{FF2B5EF4-FFF2-40B4-BE49-F238E27FC236}">
+                <a16:creationId xmlns:a16="http://schemas.microsoft.com/office/drawing/2014/main" id="{864948CD-3A3E-1147-9E4A-F4C92BA918C2}"/>
+              </a:ext>
+            </a:extLst>
+          </p:cNvPr>
           <p:cNvSpPr txBox="1">
-            <a:spLocks noGrp="1"/>
+            <a:spLocks/>
           </p:cNvSpPr>
-          <p:nvPr>
-            <p:ph type="title"/>
-          </p:nvPr>
+          <p:nvPr/>
         </p:nvSpPr>
         <p:spPr>
           <a:xfrm>
-            <a:off x="311700" y="448583"/>
+            <a:off x="693326" y="233190"/>
             <a:ext cx="8520600" cy="572700"/>
           </a:xfrm>
           <a:prstGeom prst="rect">
@@ -12024,56 +13110,141 @@
           </a:prstGeom>
         </p:spPr>
         <p:txBody>
-          <a:bodyPr spcFirstLastPara="1" wrap="square" lIns="91425" tIns="91425" rIns="91425" bIns="91425" anchor="t" anchorCtr="0">
+          <a:bodyPr spcFirstLastPara="1" vert="horz" wrap="square" lIns="91425" tIns="91425" rIns="91425" bIns="91425" rtlCol="0" anchor="t" anchorCtr="0">
             <a:noAutofit/>
           </a:bodyPr>
-          <a:lstStyle/>
-          <a:p>
-            <a:pPr marL="0" lvl="0" indent="0" algn="l" rtl="0">
-              <a:spcBef>
-                <a:spcPts val="0"/>
-              </a:spcBef>
-              <a:spcAft>
-                <a:spcPts val="0"/>
-              </a:spcAft>
-              <a:buNone/>
-            </a:pPr>
-            <a:r>
-              <a:rPr lang="ja" sz="4400" dirty="0">
+          <a:lstStyle>
+            <a:lvl1pPr lvl="0" algn="l" defTabSz="685800" rtl="0" eaLnBrk="1" latinLnBrk="0" hangingPunct="1">
+              <a:lnSpc>
+                <a:spcPct val="85000"/>
+              </a:lnSpc>
+              <a:spcBef>
+                <a:spcPts val="0"/>
+              </a:spcBef>
+              <a:spcAft>
+                <a:spcPts val="0"/>
+              </a:spcAft>
+              <a:buSzPts val="2800"/>
+              <a:buNone/>
+              <a:defRPr kumimoji="1" sz="4400" kern="1200" spc="-38" baseline="0">
                 <a:solidFill>
                   <a:schemeClr val="bg1">
                     <a:lumMod val="50000"/>
                   </a:schemeClr>
                 </a:solidFill>
-              </a:rPr>
-              <a:t>課題</a:t>
-            </a:r>
-            <a:endParaRPr sz="4400" dirty="0">
-              <a:solidFill>
-                <a:schemeClr val="bg1">
-                  <a:lumMod val="50000"/>
-                </a:schemeClr>
-              </a:solidFill>
-            </a:endParaRPr>
-          </a:p>
-          <a:p>
-            <a:pPr marL="0" lvl="0" indent="0" algn="l" rtl="0">
-              <a:spcBef>
-                <a:spcPts val="0"/>
-              </a:spcBef>
-              <a:spcAft>
-                <a:spcPts val="0"/>
-              </a:spcAft>
-              <a:buNone/>
-            </a:pPr>
-            <a:endParaRPr dirty="0"/>
+                <a:latin typeface="+mj-lt"/>
+                <a:ea typeface="+mj-ea"/>
+                <a:cs typeface="+mj-cs"/>
+              </a:defRPr>
+            </a:lvl1pPr>
+            <a:lvl2pPr lvl="1">
+              <a:spcBef>
+                <a:spcPts val="0"/>
+              </a:spcBef>
+              <a:spcAft>
+                <a:spcPts val="0"/>
+              </a:spcAft>
+              <a:buSzPts val="2800"/>
+              <a:buNone/>
+              <a:defRPr/>
+            </a:lvl2pPr>
+            <a:lvl3pPr lvl="2">
+              <a:spcBef>
+                <a:spcPts val="0"/>
+              </a:spcBef>
+              <a:spcAft>
+                <a:spcPts val="0"/>
+              </a:spcAft>
+              <a:buSzPts val="2800"/>
+              <a:buNone/>
+              <a:defRPr/>
+            </a:lvl3pPr>
+            <a:lvl4pPr lvl="3">
+              <a:spcBef>
+                <a:spcPts val="0"/>
+              </a:spcBef>
+              <a:spcAft>
+                <a:spcPts val="0"/>
+              </a:spcAft>
+              <a:buSzPts val="2800"/>
+              <a:buNone/>
+              <a:defRPr/>
+            </a:lvl4pPr>
+            <a:lvl5pPr lvl="4">
+              <a:spcBef>
+                <a:spcPts val="0"/>
+              </a:spcBef>
+              <a:spcAft>
+                <a:spcPts val="0"/>
+              </a:spcAft>
+              <a:buSzPts val="2800"/>
+              <a:buNone/>
+              <a:defRPr/>
+            </a:lvl5pPr>
+            <a:lvl6pPr lvl="5">
+              <a:spcBef>
+                <a:spcPts val="0"/>
+              </a:spcBef>
+              <a:spcAft>
+                <a:spcPts val="0"/>
+              </a:spcAft>
+              <a:buSzPts val="2800"/>
+              <a:buNone/>
+              <a:defRPr/>
+            </a:lvl6pPr>
+            <a:lvl7pPr lvl="6">
+              <a:spcBef>
+                <a:spcPts val="0"/>
+              </a:spcBef>
+              <a:spcAft>
+                <a:spcPts val="0"/>
+              </a:spcAft>
+              <a:buSzPts val="2800"/>
+              <a:buNone/>
+              <a:defRPr/>
+            </a:lvl7pPr>
+            <a:lvl8pPr lvl="7">
+              <a:spcBef>
+                <a:spcPts val="0"/>
+              </a:spcBef>
+              <a:spcAft>
+                <a:spcPts val="0"/>
+              </a:spcAft>
+              <a:buSzPts val="2800"/>
+              <a:buNone/>
+              <a:defRPr/>
+            </a:lvl8pPr>
+            <a:lvl9pPr lvl="8">
+              <a:spcBef>
+                <a:spcPts val="0"/>
+              </a:spcBef>
+              <a:spcAft>
+                <a:spcPts val="0"/>
+              </a:spcAft>
+              <a:buSzPts val="2800"/>
+              <a:buNone/>
+              <a:defRPr/>
+            </a:lvl9pPr>
+          </a:lstStyle>
+          <a:p>
+            <a:r>
+              <a:rPr lang="ja-JP" altLang="en-US" sz="3600"/>
+              <a:t>まとめ</a:t>
+            </a:r>
+            <a:endParaRPr lang="ja-JP" altLang="en-US" sz="2000" dirty="0"/>
           </a:p>
         </p:txBody>
       </p:sp>
       <p:sp>
         <p:nvSpPr>
-          <p:cNvPr id="176" name="Google Shape;176;p31"/>
-          <p:cNvSpPr txBox="1">
+          <p:cNvPr id="5" name="Text Placeholder 4">
+            <a:extLst>
+              <a:ext uri="{FF2B5EF4-FFF2-40B4-BE49-F238E27FC236}">
+                <a16:creationId xmlns:a16="http://schemas.microsoft.com/office/drawing/2014/main" id="{9D5F4392-124F-5D4B-8262-D728241E118B}"/>
+              </a:ext>
+            </a:extLst>
+          </p:cNvPr>
+          <p:cNvSpPr>
             <a:spLocks noGrp="1"/>
           </p:cNvSpPr>
           <p:nvPr>
@@ -12082,38 +13253,437 @@
         </p:nvSpPr>
         <p:spPr>
           <a:xfrm>
-            <a:off x="311700" y="1318273"/>
+            <a:off x="693326" y="1136291"/>
             <a:ext cx="8520600" cy="3416400"/>
+          </a:xfrm>
+        </p:spPr>
+        <p:txBody>
+          <a:bodyPr/>
+          <a:lstStyle/>
+          <a:p>
+            <a:endParaRPr lang="en-US" dirty="0"/>
+          </a:p>
+        </p:txBody>
+      </p:sp>
+    </p:spTree>
+  </p:cSld>
+  <p:clrMapOvr>
+    <a:masterClrMapping/>
+  </p:clrMapOvr>
+</p:sld>
+</file>
+
+<file path=ppt/slides/slide23.xml><?xml version="1.0" encoding="utf-8"?>
+<p:sld xmlns:a="http://schemas.openxmlformats.org/drawingml/2006/main" xmlns:r="http://schemas.openxmlformats.org/officeDocument/2006/relationships" xmlns:p="http://schemas.openxmlformats.org/presentationml/2006/main">
+  <p:cSld>
+    <p:spTree>
+      <p:nvGrpSpPr>
+        <p:cNvPr id="1" name="Shape 174"/>
+        <p:cNvGrpSpPr/>
+        <p:nvPr/>
+      </p:nvGrpSpPr>
+      <p:grpSpPr>
+        <a:xfrm>
+          <a:off x="0" y="0"/>
+          <a:ext cx="0" cy="0"/>
+          <a:chOff x="0" y="0"/>
+          <a:chExt cx="0" cy="0"/>
+        </a:xfrm>
+      </p:grpSpPr>
+      <p:sp>
+        <p:nvSpPr>
+          <p:cNvPr id="7" name="Google Shape;60;p14">
+            <a:extLst>
+              <a:ext uri="{FF2B5EF4-FFF2-40B4-BE49-F238E27FC236}">
+                <a16:creationId xmlns:a16="http://schemas.microsoft.com/office/drawing/2014/main" id="{864948CD-3A3E-1147-9E4A-F4C92BA918C2}"/>
+              </a:ext>
+            </a:extLst>
+          </p:cNvPr>
+          <p:cNvSpPr txBox="1">
+            <a:spLocks/>
+          </p:cNvSpPr>
+          <p:nvPr/>
+        </p:nvSpPr>
+        <p:spPr>
+          <a:xfrm>
+            <a:off x="693326" y="233190"/>
+            <a:ext cx="8520600" cy="572700"/>
           </a:xfrm>
           <a:prstGeom prst="rect">
             <a:avLst/>
           </a:prstGeom>
         </p:spPr>
         <p:txBody>
-          <a:bodyPr spcFirstLastPara="1" wrap="square" lIns="91425" tIns="91425" rIns="91425" bIns="91425" anchor="t" anchorCtr="0">
+          <a:bodyPr spcFirstLastPara="1" vert="horz" wrap="square" lIns="91425" tIns="91425" rIns="91425" bIns="91425" rtlCol="0" anchor="t" anchorCtr="0">
             <a:noAutofit/>
           </a:bodyPr>
+          <a:lstStyle>
+            <a:lvl1pPr lvl="0" algn="l" defTabSz="685800" rtl="0" eaLnBrk="1" latinLnBrk="0" hangingPunct="1">
+              <a:lnSpc>
+                <a:spcPct val="85000"/>
+              </a:lnSpc>
+              <a:spcBef>
+                <a:spcPts val="0"/>
+              </a:spcBef>
+              <a:spcAft>
+                <a:spcPts val="0"/>
+              </a:spcAft>
+              <a:buSzPts val="2800"/>
+              <a:buNone/>
+              <a:defRPr kumimoji="1" sz="4400" kern="1200" spc="-38" baseline="0">
+                <a:solidFill>
+                  <a:schemeClr val="bg1">
+                    <a:lumMod val="50000"/>
+                  </a:schemeClr>
+                </a:solidFill>
+                <a:latin typeface="+mj-lt"/>
+                <a:ea typeface="+mj-ea"/>
+                <a:cs typeface="+mj-cs"/>
+              </a:defRPr>
+            </a:lvl1pPr>
+            <a:lvl2pPr lvl="1">
+              <a:spcBef>
+                <a:spcPts val="0"/>
+              </a:spcBef>
+              <a:spcAft>
+                <a:spcPts val="0"/>
+              </a:spcAft>
+              <a:buSzPts val="2800"/>
+              <a:buNone/>
+              <a:defRPr/>
+            </a:lvl2pPr>
+            <a:lvl3pPr lvl="2">
+              <a:spcBef>
+                <a:spcPts val="0"/>
+              </a:spcBef>
+              <a:spcAft>
+                <a:spcPts val="0"/>
+              </a:spcAft>
+              <a:buSzPts val="2800"/>
+              <a:buNone/>
+              <a:defRPr/>
+            </a:lvl3pPr>
+            <a:lvl4pPr lvl="3">
+              <a:spcBef>
+                <a:spcPts val="0"/>
+              </a:spcBef>
+              <a:spcAft>
+                <a:spcPts val="0"/>
+              </a:spcAft>
+              <a:buSzPts val="2800"/>
+              <a:buNone/>
+              <a:defRPr/>
+            </a:lvl4pPr>
+            <a:lvl5pPr lvl="4">
+              <a:spcBef>
+                <a:spcPts val="0"/>
+              </a:spcBef>
+              <a:spcAft>
+                <a:spcPts val="0"/>
+              </a:spcAft>
+              <a:buSzPts val="2800"/>
+              <a:buNone/>
+              <a:defRPr/>
+            </a:lvl5pPr>
+            <a:lvl6pPr lvl="5">
+              <a:spcBef>
+                <a:spcPts val="0"/>
+              </a:spcBef>
+              <a:spcAft>
+                <a:spcPts val="0"/>
+              </a:spcAft>
+              <a:buSzPts val="2800"/>
+              <a:buNone/>
+              <a:defRPr/>
+            </a:lvl6pPr>
+            <a:lvl7pPr lvl="6">
+              <a:spcBef>
+                <a:spcPts val="0"/>
+              </a:spcBef>
+              <a:spcAft>
+                <a:spcPts val="0"/>
+              </a:spcAft>
+              <a:buSzPts val="2800"/>
+              <a:buNone/>
+              <a:defRPr/>
+            </a:lvl7pPr>
+            <a:lvl8pPr lvl="7">
+              <a:spcBef>
+                <a:spcPts val="0"/>
+              </a:spcBef>
+              <a:spcAft>
+                <a:spcPts val="0"/>
+              </a:spcAft>
+              <a:buSzPts val="2800"/>
+              <a:buNone/>
+              <a:defRPr/>
+            </a:lvl8pPr>
+            <a:lvl9pPr lvl="8">
+              <a:spcBef>
+                <a:spcPts val="0"/>
+              </a:spcBef>
+              <a:spcAft>
+                <a:spcPts val="0"/>
+              </a:spcAft>
+              <a:buSzPts val="2800"/>
+              <a:buNone/>
+              <a:defRPr/>
+            </a:lvl9pPr>
+          </a:lstStyle>
+          <a:p>
+            <a:r>
+              <a:rPr lang="ja-JP" altLang="en-US" sz="3600"/>
+              <a:t>考察</a:t>
+            </a:r>
+            <a:endParaRPr lang="ja-JP" altLang="en-US" sz="2000" dirty="0"/>
+          </a:p>
+        </p:txBody>
+      </p:sp>
+      <p:sp>
+        <p:nvSpPr>
+          <p:cNvPr id="5" name="Text Placeholder 4">
+            <a:extLst>
+              <a:ext uri="{FF2B5EF4-FFF2-40B4-BE49-F238E27FC236}">
+                <a16:creationId xmlns:a16="http://schemas.microsoft.com/office/drawing/2014/main" id="{9D5F4392-124F-5D4B-8262-D728241E118B}"/>
+              </a:ext>
+            </a:extLst>
+          </p:cNvPr>
+          <p:cNvSpPr>
+            <a:spLocks noGrp="1"/>
+          </p:cNvSpPr>
+          <p:nvPr>
+            <p:ph type="body" idx="1"/>
+          </p:nvPr>
+        </p:nvSpPr>
+        <p:spPr>
+          <a:xfrm>
+            <a:off x="693326" y="1136291"/>
+            <a:ext cx="8520600" cy="3416400"/>
+          </a:xfrm>
+        </p:spPr>
+        <p:txBody>
+          <a:bodyPr/>
           <a:lstStyle/>
           <a:p>
-            <a:pPr marL="457200" lvl="0" indent="-342900" algn="l" rtl="0">
-              <a:spcBef>
-                <a:spcPts val="0"/>
-              </a:spcBef>
-              <a:spcAft>
-                <a:spcPts val="0"/>
-              </a:spcAft>
-              <a:buSzPts val="1800"/>
-              <a:buChar char="●"/>
-            </a:pPr>
-            <a:r>
-              <a:rPr lang="ja" sz="2400" dirty="0"/>
-              <a:t>キャッシュレス導入の指標となり、かつ対象期間を通じて記録されているデータを見つけることができず、自分たちの求めている識別をしている意味のある分析をできていない</a:t>
-            </a:r>
-            <a:endParaRPr sz="2400" dirty="0"/>
+            <a:endParaRPr lang="en-US" dirty="0"/>
           </a:p>
         </p:txBody>
       </p:sp>
     </p:spTree>
+    <p:extLst>
+      <p:ext uri="{BB962C8B-B14F-4D97-AF65-F5344CB8AC3E}">
+        <p14:creationId xmlns:p14="http://schemas.microsoft.com/office/powerpoint/2010/main" val="3757244703"/>
+      </p:ext>
+    </p:extLst>
+  </p:cSld>
+  <p:clrMapOvr>
+    <a:masterClrMapping/>
+  </p:clrMapOvr>
+</p:sld>
+</file>
+
+<file path=ppt/slides/slide24.xml><?xml version="1.0" encoding="utf-8"?>
+<p:sld xmlns:a="http://schemas.openxmlformats.org/drawingml/2006/main" xmlns:r="http://schemas.openxmlformats.org/officeDocument/2006/relationships" xmlns:p="http://schemas.openxmlformats.org/presentationml/2006/main">
+  <p:cSld>
+    <p:spTree>
+      <p:nvGrpSpPr>
+        <p:cNvPr id="1" name="Shape 174"/>
+        <p:cNvGrpSpPr/>
+        <p:nvPr/>
+      </p:nvGrpSpPr>
+      <p:grpSpPr>
+        <a:xfrm>
+          <a:off x="0" y="0"/>
+          <a:ext cx="0" cy="0"/>
+          <a:chOff x="0" y="0"/>
+          <a:chExt cx="0" cy="0"/>
+        </a:xfrm>
+      </p:grpSpPr>
+      <p:sp>
+        <p:nvSpPr>
+          <p:cNvPr id="7" name="Google Shape;60;p14">
+            <a:extLst>
+              <a:ext uri="{FF2B5EF4-FFF2-40B4-BE49-F238E27FC236}">
+                <a16:creationId xmlns:a16="http://schemas.microsoft.com/office/drawing/2014/main" id="{864948CD-3A3E-1147-9E4A-F4C92BA918C2}"/>
+              </a:ext>
+            </a:extLst>
+          </p:cNvPr>
+          <p:cNvSpPr txBox="1">
+            <a:spLocks/>
+          </p:cNvSpPr>
+          <p:nvPr/>
+        </p:nvSpPr>
+        <p:spPr>
+          <a:xfrm>
+            <a:off x="693326" y="233190"/>
+            <a:ext cx="8520600" cy="572700"/>
+          </a:xfrm>
+          <a:prstGeom prst="rect">
+            <a:avLst/>
+          </a:prstGeom>
+        </p:spPr>
+        <p:txBody>
+          <a:bodyPr spcFirstLastPara="1" vert="horz" wrap="square" lIns="91425" tIns="91425" rIns="91425" bIns="91425" rtlCol="0" anchor="t" anchorCtr="0">
+            <a:noAutofit/>
+          </a:bodyPr>
+          <a:lstStyle>
+            <a:lvl1pPr lvl="0" algn="l" defTabSz="685800" rtl="0" eaLnBrk="1" latinLnBrk="0" hangingPunct="1">
+              <a:lnSpc>
+                <a:spcPct val="85000"/>
+              </a:lnSpc>
+              <a:spcBef>
+                <a:spcPts val="0"/>
+              </a:spcBef>
+              <a:spcAft>
+                <a:spcPts val="0"/>
+              </a:spcAft>
+              <a:buSzPts val="2800"/>
+              <a:buNone/>
+              <a:defRPr kumimoji="1" sz="4400" kern="1200" spc="-38" baseline="0">
+                <a:solidFill>
+                  <a:schemeClr val="bg1">
+                    <a:lumMod val="50000"/>
+                  </a:schemeClr>
+                </a:solidFill>
+                <a:latin typeface="+mj-lt"/>
+                <a:ea typeface="+mj-ea"/>
+                <a:cs typeface="+mj-cs"/>
+              </a:defRPr>
+            </a:lvl1pPr>
+            <a:lvl2pPr lvl="1">
+              <a:spcBef>
+                <a:spcPts val="0"/>
+              </a:spcBef>
+              <a:spcAft>
+                <a:spcPts val="0"/>
+              </a:spcAft>
+              <a:buSzPts val="2800"/>
+              <a:buNone/>
+              <a:defRPr/>
+            </a:lvl2pPr>
+            <a:lvl3pPr lvl="2">
+              <a:spcBef>
+                <a:spcPts val="0"/>
+              </a:spcBef>
+              <a:spcAft>
+                <a:spcPts val="0"/>
+              </a:spcAft>
+              <a:buSzPts val="2800"/>
+              <a:buNone/>
+              <a:defRPr/>
+            </a:lvl3pPr>
+            <a:lvl4pPr lvl="3">
+              <a:spcBef>
+                <a:spcPts val="0"/>
+              </a:spcBef>
+              <a:spcAft>
+                <a:spcPts val="0"/>
+              </a:spcAft>
+              <a:buSzPts val="2800"/>
+              <a:buNone/>
+              <a:defRPr/>
+            </a:lvl4pPr>
+            <a:lvl5pPr lvl="4">
+              <a:spcBef>
+                <a:spcPts val="0"/>
+              </a:spcBef>
+              <a:spcAft>
+                <a:spcPts val="0"/>
+              </a:spcAft>
+              <a:buSzPts val="2800"/>
+              <a:buNone/>
+              <a:defRPr/>
+            </a:lvl5pPr>
+            <a:lvl6pPr lvl="5">
+              <a:spcBef>
+                <a:spcPts val="0"/>
+              </a:spcBef>
+              <a:spcAft>
+                <a:spcPts val="0"/>
+              </a:spcAft>
+              <a:buSzPts val="2800"/>
+              <a:buNone/>
+              <a:defRPr/>
+            </a:lvl6pPr>
+            <a:lvl7pPr lvl="6">
+              <a:spcBef>
+                <a:spcPts val="0"/>
+              </a:spcBef>
+              <a:spcAft>
+                <a:spcPts val="0"/>
+              </a:spcAft>
+              <a:buSzPts val="2800"/>
+              <a:buNone/>
+              <a:defRPr/>
+            </a:lvl7pPr>
+            <a:lvl8pPr lvl="7">
+              <a:spcBef>
+                <a:spcPts val="0"/>
+              </a:spcBef>
+              <a:spcAft>
+                <a:spcPts val="0"/>
+              </a:spcAft>
+              <a:buSzPts val="2800"/>
+              <a:buNone/>
+              <a:defRPr/>
+            </a:lvl8pPr>
+            <a:lvl9pPr lvl="8">
+              <a:spcBef>
+                <a:spcPts val="0"/>
+              </a:spcBef>
+              <a:spcAft>
+                <a:spcPts val="0"/>
+              </a:spcAft>
+              <a:buSzPts val="2800"/>
+              <a:buNone/>
+              <a:defRPr/>
+            </a:lvl9pPr>
+          </a:lstStyle>
+          <a:p>
+            <a:r>
+              <a:rPr lang="ja-JP" altLang="en-US" sz="3600"/>
+              <a:t>課題</a:t>
+            </a:r>
+            <a:endParaRPr lang="ja-JP" altLang="en-US" sz="2000" dirty="0"/>
+          </a:p>
+        </p:txBody>
+      </p:sp>
+      <p:sp>
+        <p:nvSpPr>
+          <p:cNvPr id="5" name="Text Placeholder 4">
+            <a:extLst>
+              <a:ext uri="{FF2B5EF4-FFF2-40B4-BE49-F238E27FC236}">
+                <a16:creationId xmlns:a16="http://schemas.microsoft.com/office/drawing/2014/main" id="{9D5F4392-124F-5D4B-8262-D728241E118B}"/>
+              </a:ext>
+            </a:extLst>
+          </p:cNvPr>
+          <p:cNvSpPr>
+            <a:spLocks noGrp="1"/>
+          </p:cNvSpPr>
+          <p:nvPr>
+            <p:ph type="body" idx="1"/>
+          </p:nvPr>
+        </p:nvSpPr>
+        <p:spPr>
+          <a:xfrm>
+            <a:off x="693326" y="1136291"/>
+            <a:ext cx="8520600" cy="3416400"/>
+          </a:xfrm>
+        </p:spPr>
+        <p:txBody>
+          <a:bodyPr/>
+          <a:lstStyle/>
+          <a:p>
+            <a:endParaRPr lang="en-US" dirty="0"/>
+          </a:p>
+        </p:txBody>
+      </p:sp>
+    </p:spTree>
+    <p:extLst>
+      <p:ext uri="{BB962C8B-B14F-4D97-AF65-F5344CB8AC3E}">
+        <p14:creationId xmlns:p14="http://schemas.microsoft.com/office/powerpoint/2010/main" val="1477535264"/>
+      </p:ext>
+    </p:extLst>
   </p:cSld>
   <p:clrMapOvr>
     <a:masterClrMapping/>
